--- a/docs/nginx基本结构.pptx
+++ b/docs/nginx基本结构.pptx
@@ -11,18 +11,22 @@
     <p:sldId id="259" r:id="rId5"/>
     <p:sldId id="260" r:id="rId6"/>
     <p:sldId id="261" r:id="rId7"/>
-    <p:sldId id="262" r:id="rId8"/>
-    <p:sldId id="263" r:id="rId9"/>
-    <p:sldId id="264" r:id="rId10"/>
-    <p:sldId id="265" r:id="rId11"/>
-    <p:sldId id="266" r:id="rId12"/>
-    <p:sldId id="267" r:id="rId13"/>
-    <p:sldId id="268" r:id="rId14"/>
-    <p:sldId id="269" r:id="rId15"/>
-    <p:sldId id="270" r:id="rId16"/>
-    <p:sldId id="271" r:id="rId17"/>
-    <p:sldId id="272" r:id="rId18"/>
-    <p:sldId id="273" r:id="rId19"/>
+    <p:sldId id="272" r:id="rId8"/>
+    <p:sldId id="262" r:id="rId9"/>
+    <p:sldId id="274" r:id="rId10"/>
+    <p:sldId id="263" r:id="rId11"/>
+    <p:sldId id="275" r:id="rId12"/>
+    <p:sldId id="264" r:id="rId13"/>
+    <p:sldId id="276" r:id="rId14"/>
+    <p:sldId id="265" r:id="rId15"/>
+    <p:sldId id="266" r:id="rId16"/>
+    <p:sldId id="267" r:id="rId17"/>
+    <p:sldId id="277" r:id="rId18"/>
+    <p:sldId id="268" r:id="rId19"/>
+    <p:sldId id="269" r:id="rId20"/>
+    <p:sldId id="270" r:id="rId21"/>
+    <p:sldId id="271" r:id="rId22"/>
+    <p:sldId id="273" r:id="rId23"/>
   </p:sldIdLst>
   <p:sldSz cx="12192000" cy="6858000"/>
   <p:notesSz cx="6858000" cy="9144000"/>
@@ -121,6 +125,11 @@
       </a:defRPr>
     </a:lvl9pPr>
   </p:defaultTextStyle>
+  <p:extLst>
+    <p:ext uri="{EFAFB233-063F-42B5-8137-9DF3F51BA10A}">
+      <p15:sldGuideLst xmlns:p15="http://schemas.microsoft.com/office/powerpoint/2012/main"/>
+    </p:ext>
+  </p:extLst>
 </p:presentation>
 </file>
 
@@ -354,7 +363,7 @@
             <a:fld id="{B61BEF0D-F0BB-DE4B-95CE-6DB70DBA9567}" type="datetimeFigureOut">
               <a:rPr lang="en-US" smtClean="0"/>
               <a:pPr/>
-              <a:t>7/25/18</a:t>
+              <a:t>7/26/18</a:t>
             </a:fld>
             <a:endParaRPr lang="en-US" dirty="0"/>
           </a:p>
@@ -695,7 +704,7 @@
             <a:fld id="{B61BEF0D-F0BB-DE4B-95CE-6DB70DBA9567}" type="datetimeFigureOut">
               <a:rPr lang="en-US" smtClean="0"/>
               <a:pPr/>
-              <a:t>7/25/18</a:t>
+              <a:t>7/26/18</a:t>
             </a:fld>
             <a:endParaRPr lang="en-US" dirty="0"/>
           </a:p>
@@ -980,7 +989,7 @@
             <a:fld id="{B61BEF0D-F0BB-DE4B-95CE-6DB70DBA9567}" type="datetimeFigureOut">
               <a:rPr lang="en-US" smtClean="0"/>
               <a:pPr/>
-              <a:t>7/25/18</a:t>
+              <a:t>7/26/18</a:t>
             </a:fld>
             <a:endParaRPr lang="en-US" dirty="0"/>
           </a:p>
@@ -1560,7 +1569,7 @@
             <a:fld id="{B61BEF0D-F0BB-DE4B-95CE-6DB70DBA9567}" type="datetimeFigureOut">
               <a:rPr lang="en-US" smtClean="0"/>
               <a:pPr/>
-              <a:t>7/25/18</a:t>
+              <a:t>7/26/18</a:t>
             </a:fld>
             <a:endParaRPr lang="en-US" dirty="0"/>
           </a:p>
@@ -1845,7 +1854,7 @@
             <a:fld id="{B61BEF0D-F0BB-DE4B-95CE-6DB70DBA9567}" type="datetimeFigureOut">
               <a:rPr lang="en-US" smtClean="0"/>
               <a:pPr/>
-              <a:t>7/25/18</a:t>
+              <a:t>7/26/18</a:t>
             </a:fld>
             <a:endParaRPr lang="en-US" dirty="0"/>
           </a:p>
@@ -2419,7 +2428,7 @@
             <a:fld id="{B61BEF0D-F0BB-DE4B-95CE-6DB70DBA9567}" type="datetimeFigureOut">
               <a:rPr lang="en-US" smtClean="0"/>
               <a:pPr/>
-              <a:t>7/25/18</a:t>
+              <a:t>7/26/18</a:t>
             </a:fld>
             <a:endParaRPr lang="en-US" dirty="0"/>
           </a:p>
@@ -2758,7 +2767,7 @@
             <a:fld id="{B61BEF0D-F0BB-DE4B-95CE-6DB70DBA9567}" type="datetimeFigureOut">
               <a:rPr lang="en-US" smtClean="0"/>
               <a:pPr/>
-              <a:t>7/25/18</a:t>
+              <a:t>7/26/18</a:t>
             </a:fld>
             <a:endParaRPr lang="en-US" dirty="0"/>
           </a:p>
@@ -2913,7 +2922,7 @@
             <a:fld id="{B61BEF0D-F0BB-DE4B-95CE-6DB70DBA9567}" type="datetimeFigureOut">
               <a:rPr lang="en-US" smtClean="0"/>
               <a:pPr/>
-              <a:t>7/25/18</a:t>
+              <a:t>7/26/18</a:t>
             </a:fld>
             <a:endParaRPr lang="en-US" dirty="0"/>
           </a:p>
@@ -3129,7 +3138,7 @@
             <a:fld id="{B61BEF0D-F0BB-DE4B-95CE-6DB70DBA9567}" type="datetimeFigureOut">
               <a:rPr lang="en-US" smtClean="0"/>
               <a:pPr/>
-              <a:t>7/25/18</a:t>
+              <a:t>7/26/18</a:t>
             </a:fld>
             <a:endParaRPr lang="en-US" dirty="0"/>
           </a:p>
@@ -3307,7 +3316,7 @@
             <a:fld id="{B61BEF0D-F0BB-DE4B-95CE-6DB70DBA9567}" type="datetimeFigureOut">
               <a:rPr lang="en-US" smtClean="0"/>
               <a:pPr/>
-              <a:t>7/25/18</a:t>
+              <a:t>7/26/18</a:t>
             </a:fld>
             <a:endParaRPr lang="en-US" dirty="0"/>
           </a:p>
@@ -3590,7 +3599,7 @@
             <a:fld id="{B61BEF0D-F0BB-DE4B-95CE-6DB70DBA9567}" type="datetimeFigureOut">
               <a:rPr lang="en-US" smtClean="0"/>
               <a:pPr/>
-              <a:t>7/25/18</a:t>
+              <a:t>7/26/18</a:t>
             </a:fld>
             <a:endParaRPr lang="en-US" dirty="0"/>
           </a:p>
@@ -3810,7 +3819,7 @@
             <a:fld id="{B61BEF0D-F0BB-DE4B-95CE-6DB70DBA9567}" type="datetimeFigureOut">
               <a:rPr lang="en-US" smtClean="0"/>
               <a:pPr/>
-              <a:t>7/25/18</a:t>
+              <a:t>7/26/18</a:t>
             </a:fld>
             <a:endParaRPr lang="en-US" dirty="0"/>
           </a:p>
@@ -4148,7 +4157,7 @@
             <a:fld id="{B61BEF0D-F0BB-DE4B-95CE-6DB70DBA9567}" type="datetimeFigureOut">
               <a:rPr lang="en-US" smtClean="0"/>
               <a:pPr/>
-              <a:t>7/25/18</a:t>
+              <a:t>7/26/18</a:t>
             </a:fld>
             <a:endParaRPr lang="en-US" dirty="0"/>
           </a:p>
@@ -4298,7 +4307,7 @@
             <a:fld id="{B61BEF0D-F0BB-DE4B-95CE-6DB70DBA9567}" type="datetimeFigureOut">
               <a:rPr lang="en-US" smtClean="0"/>
               <a:pPr/>
-              <a:t>7/25/18</a:t>
+              <a:t>7/26/18</a:t>
             </a:fld>
             <a:endParaRPr lang="en-US" dirty="0"/>
           </a:p>
@@ -4425,7 +4434,7 @@
             <a:fld id="{B61BEF0D-F0BB-DE4B-95CE-6DB70DBA9567}" type="datetimeFigureOut">
               <a:rPr lang="en-US" smtClean="0"/>
               <a:pPr/>
-              <a:t>7/25/18</a:t>
+              <a:t>7/26/18</a:t>
             </a:fld>
             <a:endParaRPr lang="en-US" dirty="0"/>
           </a:p>
@@ -4693,7 +4702,7 @@
             <a:fld id="{B61BEF0D-F0BB-DE4B-95CE-6DB70DBA9567}" type="datetimeFigureOut">
               <a:rPr lang="en-US" smtClean="0"/>
               <a:pPr/>
-              <a:t>7/25/18</a:t>
+              <a:t>7/26/18</a:t>
             </a:fld>
             <a:endParaRPr lang="en-US" dirty="0"/>
           </a:p>
@@ -5024,7 +5033,7 @@
             <a:fld id="{B61BEF0D-F0BB-DE4B-95CE-6DB70DBA9567}" type="datetimeFigureOut">
               <a:rPr lang="en-US" smtClean="0"/>
               <a:pPr/>
-              <a:t>7/25/18</a:t>
+              <a:t>7/26/18</a:t>
             </a:fld>
             <a:endParaRPr lang="en-US" dirty="0"/>
           </a:p>
@@ -5216,7 +5225,7 @@
             <a:fld id="{B61BEF0D-F0BB-DE4B-95CE-6DB70DBA9567}" type="datetimeFigureOut">
               <a:rPr lang="en-US" smtClean="0"/>
               <a:pPr/>
-              <a:t>7/25/18</a:t>
+              <a:t>7/26/18</a:t>
             </a:fld>
             <a:endParaRPr lang="en-US" dirty="0"/>
           </a:p>
@@ -5840,6 +5849,441 @@
           <a:p>
             <a:r>
               <a:rPr lang="en" altLang="zh-CN" b="1" dirty="0"/>
+              <a:t>Queue</a:t>
+            </a:r>
+          </a:p>
+        </p:txBody>
+      </p:sp>
+      <p:sp>
+        <p:nvSpPr>
+          <p:cNvPr id="4" name="内容占位符 3">
+            <a:extLst>
+              <a:ext uri="{FF2B5EF4-FFF2-40B4-BE49-F238E27FC236}">
+                <a16:creationId xmlns:a16="http://schemas.microsoft.com/office/drawing/2014/main" id="{DE247913-49EB-7F41-BF6B-984E0EC8BBDF}"/>
+              </a:ext>
+            </a:extLst>
+          </p:cNvPr>
+          <p:cNvSpPr>
+            <a:spLocks noGrp="1"/>
+          </p:cNvSpPr>
+          <p:nvPr>
+            <p:ph idx="1"/>
+          </p:nvPr>
+        </p:nvSpPr>
+        <p:spPr/>
+        <p:txBody>
+          <a:bodyPr/>
+          <a:lstStyle/>
+          <a:p>
+            <a:endParaRPr lang="zh-CN" altLang="en-US"/>
+          </a:p>
+        </p:txBody>
+      </p:sp>
+      <p:pic>
+        <p:nvPicPr>
+          <p:cNvPr id="7" name="图片 6">
+            <a:extLst>
+              <a:ext uri="{FF2B5EF4-FFF2-40B4-BE49-F238E27FC236}">
+                <a16:creationId xmlns:a16="http://schemas.microsoft.com/office/drawing/2014/main" id="{403D52A7-E224-4C45-9C5D-8E58CBE48B04}"/>
+              </a:ext>
+            </a:extLst>
+          </p:cNvPr>
+          <p:cNvPicPr>
+            <a:picLocks noChangeAspect="1"/>
+          </p:cNvPicPr>
+          <p:nvPr/>
+        </p:nvPicPr>
+        <p:blipFill>
+          <a:blip r:embed="rId2"/>
+          <a:stretch>
+            <a:fillRect/>
+          </a:stretch>
+        </p:blipFill>
+        <p:spPr>
+          <a:xfrm>
+            <a:off x="4673256" y="1042316"/>
+            <a:ext cx="2870200" cy="1270000"/>
+          </a:xfrm>
+          <a:prstGeom prst="rect">
+            <a:avLst/>
+          </a:prstGeom>
+        </p:spPr>
+      </p:pic>
+      <p:pic>
+        <p:nvPicPr>
+          <p:cNvPr id="8" name="图片 7">
+            <a:extLst>
+              <a:ext uri="{FF2B5EF4-FFF2-40B4-BE49-F238E27FC236}">
+                <a16:creationId xmlns:a16="http://schemas.microsoft.com/office/drawing/2014/main" id="{F51BA689-83B6-3140-AFF0-5DF77659C82C}"/>
+              </a:ext>
+            </a:extLst>
+          </p:cNvPr>
+          <p:cNvPicPr>
+            <a:picLocks noChangeAspect="1"/>
+          </p:cNvPicPr>
+          <p:nvPr/>
+        </p:nvPicPr>
+        <p:blipFill>
+          <a:blip r:embed="rId3"/>
+          <a:stretch>
+            <a:fillRect/>
+          </a:stretch>
+        </p:blipFill>
+        <p:spPr>
+          <a:xfrm>
+            <a:off x="342556" y="3532144"/>
+            <a:ext cx="11531600" cy="1968500"/>
+          </a:xfrm>
+          <a:prstGeom prst="rect">
+            <a:avLst/>
+          </a:prstGeom>
+        </p:spPr>
+      </p:pic>
+    </p:spTree>
+    <p:extLst>
+      <p:ext uri="{BB962C8B-B14F-4D97-AF65-F5344CB8AC3E}">
+        <p14:creationId xmlns:p14="http://schemas.microsoft.com/office/powerpoint/2010/main" val="3136705958"/>
+      </p:ext>
+    </p:extLst>
+  </p:cSld>
+  <p:clrMapOvr>
+    <a:masterClrMapping/>
+  </p:clrMapOvr>
+</p:sld>
+</file>
+
+<file path=ppt/slides/slide11.xml><?xml version="1.0" encoding="utf-8"?>
+<p:sld xmlns:a="http://schemas.openxmlformats.org/drawingml/2006/main" xmlns:r="http://schemas.openxmlformats.org/officeDocument/2006/relationships" xmlns:p="http://schemas.openxmlformats.org/presentationml/2006/main">
+  <p:cSld>
+    <p:spTree>
+      <p:nvGrpSpPr>
+        <p:cNvPr id="1" name=""/>
+        <p:cNvGrpSpPr/>
+        <p:nvPr/>
+      </p:nvGrpSpPr>
+      <p:grpSpPr>
+        <a:xfrm>
+          <a:off x="0" y="0"/>
+          <a:ext cx="0" cy="0"/>
+          <a:chOff x="0" y="0"/>
+          <a:chExt cx="0" cy="0"/>
+        </a:xfrm>
+      </p:grpSpPr>
+      <p:sp>
+        <p:nvSpPr>
+          <p:cNvPr id="2" name="标题 1">
+            <a:extLst>
+              <a:ext uri="{FF2B5EF4-FFF2-40B4-BE49-F238E27FC236}">
+                <a16:creationId xmlns:a16="http://schemas.microsoft.com/office/drawing/2014/main" id="{CCFBF98A-AD27-EE4A-8B58-921E6BAE51E6}"/>
+              </a:ext>
+            </a:extLst>
+          </p:cNvPr>
+          <p:cNvSpPr>
+            <a:spLocks noGrp="1"/>
+          </p:cNvSpPr>
+          <p:nvPr>
+            <p:ph type="title"/>
+          </p:nvPr>
+        </p:nvSpPr>
+        <p:spPr/>
+        <p:txBody>
+          <a:bodyPr/>
+          <a:lstStyle/>
+          <a:p>
+            <a:r>
+              <a:rPr lang="en" altLang="zh-CN" b="1" dirty="0"/>
+              <a:t>Queue</a:t>
+            </a:r>
+          </a:p>
+        </p:txBody>
+      </p:sp>
+      <p:sp>
+        <p:nvSpPr>
+          <p:cNvPr id="4" name="内容占位符 3">
+            <a:extLst>
+              <a:ext uri="{FF2B5EF4-FFF2-40B4-BE49-F238E27FC236}">
+                <a16:creationId xmlns:a16="http://schemas.microsoft.com/office/drawing/2014/main" id="{85DB09D2-7AC0-584F-9D96-F9E03CF8E116}"/>
+              </a:ext>
+            </a:extLst>
+          </p:cNvPr>
+          <p:cNvSpPr>
+            <a:spLocks noGrp="1"/>
+          </p:cNvSpPr>
+          <p:nvPr>
+            <p:ph idx="1"/>
+          </p:nvPr>
+        </p:nvSpPr>
+        <p:spPr/>
+        <p:txBody>
+          <a:bodyPr/>
+          <a:lstStyle/>
+          <a:p>
+            <a:r>
+              <a:rPr lang="zh-CN" altLang="en-US" dirty="0"/>
+              <a:t>例子</a:t>
+            </a:r>
+          </a:p>
+        </p:txBody>
+      </p:sp>
+    </p:spTree>
+    <p:extLst>
+      <p:ext uri="{BB962C8B-B14F-4D97-AF65-F5344CB8AC3E}">
+        <p14:creationId xmlns:p14="http://schemas.microsoft.com/office/powerpoint/2010/main" val="499559430"/>
+      </p:ext>
+    </p:extLst>
+  </p:cSld>
+  <p:clrMapOvr>
+    <a:masterClrMapping/>
+  </p:clrMapOvr>
+</p:sld>
+</file>
+
+<file path=ppt/slides/slide12.xml><?xml version="1.0" encoding="utf-8"?>
+<p:sld xmlns:a="http://schemas.openxmlformats.org/drawingml/2006/main" xmlns:r="http://schemas.openxmlformats.org/officeDocument/2006/relationships" xmlns:p="http://schemas.openxmlformats.org/presentationml/2006/main">
+  <p:cSld>
+    <p:spTree>
+      <p:nvGrpSpPr>
+        <p:cNvPr id="1" name=""/>
+        <p:cNvGrpSpPr/>
+        <p:nvPr/>
+      </p:nvGrpSpPr>
+      <p:grpSpPr>
+        <a:xfrm>
+          <a:off x="0" y="0"/>
+          <a:ext cx="0" cy="0"/>
+          <a:chOff x="0" y="0"/>
+          <a:chExt cx="0" cy="0"/>
+        </a:xfrm>
+      </p:grpSpPr>
+      <p:sp>
+        <p:nvSpPr>
+          <p:cNvPr id="2" name="标题 1">
+            <a:extLst>
+              <a:ext uri="{FF2B5EF4-FFF2-40B4-BE49-F238E27FC236}">
+                <a16:creationId xmlns:a16="http://schemas.microsoft.com/office/drawing/2014/main" id="{CCFBF98A-AD27-EE4A-8B58-921E6BAE51E6}"/>
+              </a:ext>
+            </a:extLst>
+          </p:cNvPr>
+          <p:cNvSpPr>
+            <a:spLocks noGrp="1"/>
+          </p:cNvSpPr>
+          <p:nvPr>
+            <p:ph type="title"/>
+          </p:nvPr>
+        </p:nvSpPr>
+        <p:spPr/>
+        <p:txBody>
+          <a:bodyPr/>
+          <a:lstStyle/>
+          <a:p>
+            <a:r>
+              <a:rPr lang="en" altLang="zh-CN" b="1" dirty="0"/>
+              <a:t>Red-Black tree</a:t>
+            </a:r>
+          </a:p>
+        </p:txBody>
+      </p:sp>
+      <p:pic>
+        <p:nvPicPr>
+          <p:cNvPr id="3" name="内容占位符 2">
+            <a:extLst>
+              <a:ext uri="{FF2B5EF4-FFF2-40B4-BE49-F238E27FC236}">
+                <a16:creationId xmlns:a16="http://schemas.microsoft.com/office/drawing/2014/main" id="{35B0D009-AE4B-E044-8398-588CDDC72F0D}"/>
+              </a:ext>
+            </a:extLst>
+          </p:cNvPr>
+          <p:cNvPicPr>
+            <a:picLocks noGrp="1" noChangeAspect="1"/>
+          </p:cNvPicPr>
+          <p:nvPr>
+            <p:ph idx="1"/>
+          </p:nvPr>
+        </p:nvPicPr>
+        <p:blipFill>
+          <a:blip r:embed="rId2"/>
+          <a:stretch>
+            <a:fillRect/>
+          </a:stretch>
+        </p:blipFill>
+        <p:spPr>
+          <a:xfrm>
+            <a:off x="6994224" y="358882"/>
+            <a:ext cx="4508500" cy="3606800"/>
+          </a:xfrm>
+          <a:prstGeom prst="rect">
+            <a:avLst/>
+          </a:prstGeom>
+        </p:spPr>
+      </p:pic>
+      <p:pic>
+        <p:nvPicPr>
+          <p:cNvPr id="5" name="图片 4">
+            <a:extLst>
+              <a:ext uri="{FF2B5EF4-FFF2-40B4-BE49-F238E27FC236}">
+                <a16:creationId xmlns:a16="http://schemas.microsoft.com/office/drawing/2014/main" id="{C75C3A8A-5152-EA4F-AFC0-106A9805A1D9}"/>
+              </a:ext>
+            </a:extLst>
+          </p:cNvPr>
+          <p:cNvPicPr>
+            <a:picLocks noChangeAspect="1"/>
+          </p:cNvPicPr>
+          <p:nvPr/>
+        </p:nvPicPr>
+        <p:blipFill>
+          <a:blip r:embed="rId3"/>
+          <a:stretch>
+            <a:fillRect/>
+          </a:stretch>
+        </p:blipFill>
+        <p:spPr>
+          <a:xfrm>
+            <a:off x="1166169" y="4774170"/>
+            <a:ext cx="9563100" cy="1041400"/>
+          </a:xfrm>
+          <a:prstGeom prst="rect">
+            <a:avLst/>
+          </a:prstGeom>
+        </p:spPr>
+      </p:pic>
+    </p:spTree>
+    <p:extLst>
+      <p:ext uri="{BB962C8B-B14F-4D97-AF65-F5344CB8AC3E}">
+        <p14:creationId xmlns:p14="http://schemas.microsoft.com/office/powerpoint/2010/main" val="1663905220"/>
+      </p:ext>
+    </p:extLst>
+  </p:cSld>
+  <p:clrMapOvr>
+    <a:masterClrMapping/>
+  </p:clrMapOvr>
+</p:sld>
+</file>
+
+<file path=ppt/slides/slide13.xml><?xml version="1.0" encoding="utf-8"?>
+<p:sld xmlns:a="http://schemas.openxmlformats.org/drawingml/2006/main" xmlns:r="http://schemas.openxmlformats.org/officeDocument/2006/relationships" xmlns:p="http://schemas.openxmlformats.org/presentationml/2006/main">
+  <p:cSld>
+    <p:spTree>
+      <p:nvGrpSpPr>
+        <p:cNvPr id="1" name=""/>
+        <p:cNvGrpSpPr/>
+        <p:nvPr/>
+      </p:nvGrpSpPr>
+      <p:grpSpPr>
+        <a:xfrm>
+          <a:off x="0" y="0"/>
+          <a:ext cx="0" cy="0"/>
+          <a:chOff x="0" y="0"/>
+          <a:chExt cx="0" cy="0"/>
+        </a:xfrm>
+      </p:grpSpPr>
+      <p:sp>
+        <p:nvSpPr>
+          <p:cNvPr id="2" name="标题 1">
+            <a:extLst>
+              <a:ext uri="{FF2B5EF4-FFF2-40B4-BE49-F238E27FC236}">
+                <a16:creationId xmlns:a16="http://schemas.microsoft.com/office/drawing/2014/main" id="{CCFBF98A-AD27-EE4A-8B58-921E6BAE51E6}"/>
+              </a:ext>
+            </a:extLst>
+          </p:cNvPr>
+          <p:cNvSpPr>
+            <a:spLocks noGrp="1"/>
+          </p:cNvSpPr>
+          <p:nvPr>
+            <p:ph type="title"/>
+          </p:nvPr>
+        </p:nvSpPr>
+        <p:spPr/>
+        <p:txBody>
+          <a:bodyPr/>
+          <a:lstStyle/>
+          <a:p>
+            <a:r>
+              <a:rPr lang="en" altLang="zh-CN" b="1" dirty="0"/>
+              <a:t>Red-Black tree</a:t>
+            </a:r>
+          </a:p>
+        </p:txBody>
+      </p:sp>
+      <p:sp>
+        <p:nvSpPr>
+          <p:cNvPr id="4" name="内容占位符 3">
+            <a:extLst>
+              <a:ext uri="{FF2B5EF4-FFF2-40B4-BE49-F238E27FC236}">
+                <a16:creationId xmlns:a16="http://schemas.microsoft.com/office/drawing/2014/main" id="{85DB09D2-7AC0-584F-9D96-F9E03CF8E116}"/>
+              </a:ext>
+            </a:extLst>
+          </p:cNvPr>
+          <p:cNvSpPr>
+            <a:spLocks noGrp="1"/>
+          </p:cNvSpPr>
+          <p:nvPr>
+            <p:ph idx="1"/>
+          </p:nvPr>
+        </p:nvSpPr>
+        <p:spPr/>
+        <p:txBody>
+          <a:bodyPr/>
+          <a:lstStyle/>
+          <a:p>
+            <a:r>
+              <a:rPr lang="zh-CN" altLang="en-US" dirty="0"/>
+              <a:t>例子</a:t>
+            </a:r>
+          </a:p>
+        </p:txBody>
+      </p:sp>
+    </p:spTree>
+    <p:extLst>
+      <p:ext uri="{BB962C8B-B14F-4D97-AF65-F5344CB8AC3E}">
+        <p14:creationId xmlns:p14="http://schemas.microsoft.com/office/powerpoint/2010/main" val="1703751044"/>
+      </p:ext>
+    </p:extLst>
+  </p:cSld>
+  <p:clrMapOvr>
+    <a:masterClrMapping/>
+  </p:clrMapOvr>
+</p:sld>
+</file>
+
+<file path=ppt/slides/slide14.xml><?xml version="1.0" encoding="utf-8"?>
+<p:sld xmlns:a="http://schemas.openxmlformats.org/drawingml/2006/main" xmlns:r="http://schemas.openxmlformats.org/officeDocument/2006/relationships" xmlns:p="http://schemas.openxmlformats.org/presentationml/2006/main">
+  <p:cSld>
+    <p:spTree>
+      <p:nvGrpSpPr>
+        <p:cNvPr id="1" name=""/>
+        <p:cNvGrpSpPr/>
+        <p:nvPr/>
+      </p:nvGrpSpPr>
+      <p:grpSpPr>
+        <a:xfrm>
+          <a:off x="0" y="0"/>
+          <a:ext cx="0" cy="0"/>
+          <a:chOff x="0" y="0"/>
+          <a:chExt cx="0" cy="0"/>
+        </a:xfrm>
+      </p:grpSpPr>
+      <p:sp>
+        <p:nvSpPr>
+          <p:cNvPr id="2" name="标题 1">
+            <a:extLst>
+              <a:ext uri="{FF2B5EF4-FFF2-40B4-BE49-F238E27FC236}">
+                <a16:creationId xmlns:a16="http://schemas.microsoft.com/office/drawing/2014/main" id="{CCFBF98A-AD27-EE4A-8B58-921E6BAE51E6}"/>
+              </a:ext>
+            </a:extLst>
+          </p:cNvPr>
+          <p:cNvSpPr>
+            <a:spLocks noGrp="1"/>
+          </p:cNvSpPr>
+          <p:nvPr>
+            <p:ph type="title"/>
+          </p:nvPr>
+        </p:nvSpPr>
+        <p:spPr/>
+        <p:txBody>
+          <a:bodyPr/>
+          <a:lstStyle/>
+          <a:p>
+            <a:r>
+              <a:rPr lang="en" altLang="zh-CN" b="1" dirty="0"/>
               <a:t>Hash</a:t>
             </a:r>
           </a:p>
@@ -5909,7 +6353,7 @@
 </p:sld>
 </file>
 
-<file path=ppt/slides/slide11.xml><?xml version="1.0" encoding="utf-8"?>
+<file path=ppt/slides/slide15.xml><?xml version="1.0" encoding="utf-8"?>
 <p:sld xmlns:a="http://schemas.openxmlformats.org/drawingml/2006/main" xmlns:r="http://schemas.openxmlformats.org/officeDocument/2006/relationships" xmlns:p="http://schemas.openxmlformats.org/presentationml/2006/main">
   <p:cSld>
     <p:spTree>
@@ -6025,7 +6469,7 @@
         </p:blipFill>
         <p:spPr>
           <a:xfrm>
-            <a:off x="585014" y="2065867"/>
+            <a:off x="585014" y="1920961"/>
             <a:ext cx="5744906" cy="1710209"/>
           </a:xfrm>
           <a:prstGeom prst="rect">
@@ -6055,7 +6499,7 @@
         </p:blipFill>
         <p:spPr>
           <a:xfrm>
-            <a:off x="5228667" y="3811944"/>
+            <a:off x="5130601" y="3721557"/>
             <a:ext cx="6788668" cy="1384531"/>
           </a:xfrm>
           <a:prstGeom prst="rect">
@@ -6076,7 +6520,7 @@
 </p:sld>
 </file>
 
-<file path=ppt/slides/slide12.xml><?xml version="1.0" encoding="utf-8"?>
+<file path=ppt/slides/slide16.xml><?xml version="1.0" encoding="utf-8"?>
 <p:sld xmlns:a="http://schemas.openxmlformats.org/drawingml/2006/main" xmlns:r="http://schemas.openxmlformats.org/officeDocument/2006/relationships" xmlns:p="http://schemas.openxmlformats.org/presentationml/2006/main">
   <p:cSld>
     <p:spTree>
@@ -6307,7 +6751,110 @@
 </p:sld>
 </file>
 
-<file path=ppt/slides/slide13.xml><?xml version="1.0" encoding="utf-8"?>
+<file path=ppt/slides/slide17.xml><?xml version="1.0" encoding="utf-8"?>
+<p:sld xmlns:a="http://schemas.openxmlformats.org/drawingml/2006/main" xmlns:r="http://schemas.openxmlformats.org/officeDocument/2006/relationships" xmlns:p="http://schemas.openxmlformats.org/presentationml/2006/main">
+  <p:cSld>
+    <p:spTree>
+      <p:nvGrpSpPr>
+        <p:cNvPr id="1" name=""/>
+        <p:cNvGrpSpPr/>
+        <p:nvPr/>
+      </p:nvGrpSpPr>
+      <p:grpSpPr>
+        <a:xfrm>
+          <a:off x="0" y="0"/>
+          <a:ext cx="0" cy="0"/>
+          <a:chOff x="0" y="0"/>
+          <a:chExt cx="0" cy="0"/>
+        </a:xfrm>
+      </p:grpSpPr>
+      <p:sp>
+        <p:nvSpPr>
+          <p:cNvPr id="2" name="标题 1">
+            <a:extLst>
+              <a:ext uri="{FF2B5EF4-FFF2-40B4-BE49-F238E27FC236}">
+                <a16:creationId xmlns:a16="http://schemas.microsoft.com/office/drawing/2014/main" id="{CCFBF98A-AD27-EE4A-8B58-921E6BAE51E6}"/>
+              </a:ext>
+            </a:extLst>
+          </p:cNvPr>
+          <p:cNvSpPr>
+            <a:spLocks noGrp="1"/>
+          </p:cNvSpPr>
+          <p:nvPr>
+            <p:ph type="title"/>
+          </p:nvPr>
+        </p:nvSpPr>
+        <p:spPr/>
+        <p:txBody>
+          <a:bodyPr/>
+          <a:lstStyle/>
+          <a:p>
+            <a:r>
+              <a:rPr lang="en" altLang="zh-CN" b="1" dirty="0"/>
+              <a:t>Hash</a:t>
+            </a:r>
+            <a:r>
+              <a:rPr lang="zh-CN" altLang="en-US" b="1" dirty="0"/>
+              <a:t> </a:t>
+            </a:r>
+            <a:r>
+              <a:rPr lang="en-US" altLang="zh-CN" b="1" dirty="0"/>
+              <a:t>–</a:t>
+            </a:r>
+            <a:r>
+              <a:rPr lang="zh-CN" altLang="en-US" b="1" dirty="0"/>
+              <a:t> 普通</a:t>
+            </a:r>
+            <a:r>
+              <a:rPr lang="en-US" altLang="zh-CN" b="1" dirty="0"/>
+              <a:t>hash</a:t>
+            </a:r>
+            <a:endParaRPr lang="en" altLang="zh-CN" b="1" dirty="0"/>
+          </a:p>
+        </p:txBody>
+      </p:sp>
+      <p:sp>
+        <p:nvSpPr>
+          <p:cNvPr id="4" name="内容占位符 3">
+            <a:extLst>
+              <a:ext uri="{FF2B5EF4-FFF2-40B4-BE49-F238E27FC236}">
+                <a16:creationId xmlns:a16="http://schemas.microsoft.com/office/drawing/2014/main" id="{85DB09D2-7AC0-584F-9D96-F9E03CF8E116}"/>
+              </a:ext>
+            </a:extLst>
+          </p:cNvPr>
+          <p:cNvSpPr>
+            <a:spLocks noGrp="1"/>
+          </p:cNvSpPr>
+          <p:nvPr>
+            <p:ph idx="1"/>
+          </p:nvPr>
+        </p:nvSpPr>
+        <p:spPr/>
+        <p:txBody>
+          <a:bodyPr/>
+          <a:lstStyle/>
+          <a:p>
+            <a:r>
+              <a:rPr lang="zh-CN" altLang="en-US" dirty="0"/>
+              <a:t>例子</a:t>
+            </a:r>
+          </a:p>
+        </p:txBody>
+      </p:sp>
+    </p:spTree>
+    <p:extLst>
+      <p:ext uri="{BB962C8B-B14F-4D97-AF65-F5344CB8AC3E}">
+        <p14:creationId xmlns:p14="http://schemas.microsoft.com/office/powerpoint/2010/main" val="3614159171"/>
+      </p:ext>
+    </p:extLst>
+  </p:cSld>
+  <p:clrMapOvr>
+    <a:masterClrMapping/>
+  </p:clrMapOvr>
+</p:sld>
+</file>
+
+<file path=ppt/slides/slide18.xml><?xml version="1.0" encoding="utf-8"?>
 <p:sld xmlns:a="http://schemas.openxmlformats.org/drawingml/2006/main" xmlns:r="http://schemas.openxmlformats.org/officeDocument/2006/relationships" xmlns:p="http://schemas.openxmlformats.org/presentationml/2006/main">
   <p:cSld>
     <p:spTree>
@@ -6691,7 +7238,7 @@
 </p:sld>
 </file>
 
-<file path=ppt/slides/slide14.xml><?xml version="1.0" encoding="utf-8"?>
+<file path=ppt/slides/slide19.xml><?xml version="1.0" encoding="utf-8"?>
 <p:sld xmlns:a="http://schemas.openxmlformats.org/drawingml/2006/main" xmlns:r="http://schemas.openxmlformats.org/officeDocument/2006/relationships" xmlns:p="http://schemas.openxmlformats.org/presentationml/2006/main">
   <p:cSld>
     <p:spTree>
@@ -6761,7 +7308,7 @@
         </p:blipFill>
         <p:spPr>
           <a:xfrm>
-            <a:off x="1917142" y="2601977"/>
+            <a:off x="1965780" y="2563066"/>
             <a:ext cx="5765800" cy="1295400"/>
           </a:xfrm>
           <a:prstGeom prst="rect">
@@ -6782,7 +7329,125 @@
 </p:sld>
 </file>
 
-<file path=ppt/slides/slide15.xml><?xml version="1.0" encoding="utf-8"?>
+<file path=ppt/slides/slide2.xml><?xml version="1.0" encoding="utf-8"?>
+<p:sld xmlns:a="http://schemas.openxmlformats.org/drawingml/2006/main" xmlns:r="http://schemas.openxmlformats.org/officeDocument/2006/relationships" xmlns:p="http://schemas.openxmlformats.org/presentationml/2006/main">
+  <p:cSld>
+    <p:spTree>
+      <p:nvGrpSpPr>
+        <p:cNvPr id="1" name=""/>
+        <p:cNvGrpSpPr/>
+        <p:nvPr/>
+      </p:nvGrpSpPr>
+      <p:grpSpPr>
+        <a:xfrm>
+          <a:off x="0" y="0"/>
+          <a:ext cx="0" cy="0"/>
+          <a:chOff x="0" y="0"/>
+          <a:chExt cx="0" cy="0"/>
+        </a:xfrm>
+      </p:grpSpPr>
+      <p:sp>
+        <p:nvSpPr>
+          <p:cNvPr id="2" name="标题 1">
+            <a:extLst>
+              <a:ext uri="{FF2B5EF4-FFF2-40B4-BE49-F238E27FC236}">
+                <a16:creationId xmlns:a16="http://schemas.microsoft.com/office/drawing/2014/main" id="{A1A3F155-2C01-1B4C-AEF8-AE0B9128E96C}"/>
+              </a:ext>
+            </a:extLst>
+          </p:cNvPr>
+          <p:cNvSpPr>
+            <a:spLocks noGrp="1"/>
+          </p:cNvSpPr>
+          <p:nvPr>
+            <p:ph type="title"/>
+          </p:nvPr>
+        </p:nvSpPr>
+        <p:spPr/>
+        <p:txBody>
+          <a:bodyPr/>
+          <a:lstStyle/>
+          <a:p>
+            <a:r>
+              <a:rPr kumimoji="1" lang="en" altLang="zh-CN" dirty="0"/>
+              <a:t>Error handling</a:t>
+            </a:r>
+            <a:endParaRPr kumimoji="1" lang="zh-CN" altLang="en-US" dirty="0"/>
+          </a:p>
+        </p:txBody>
+      </p:sp>
+      <p:sp>
+        <p:nvSpPr>
+          <p:cNvPr id="3" name="内容占位符 2">
+            <a:extLst>
+              <a:ext uri="{FF2B5EF4-FFF2-40B4-BE49-F238E27FC236}">
+                <a16:creationId xmlns:a16="http://schemas.microsoft.com/office/drawing/2014/main" id="{30F55CF3-CD2A-314B-BFD0-F7B21BA970BC}"/>
+              </a:ext>
+            </a:extLst>
+          </p:cNvPr>
+          <p:cNvSpPr>
+            <a:spLocks noGrp="1"/>
+          </p:cNvSpPr>
+          <p:nvPr>
+            <p:ph idx="1"/>
+          </p:nvPr>
+        </p:nvSpPr>
+        <p:spPr/>
+        <p:txBody>
+          <a:bodyPr/>
+          <a:lstStyle/>
+          <a:p>
+            <a:r>
+              <a:rPr lang="en" altLang="zh-CN" dirty="0" err="1"/>
+              <a:t>ngx_error</a:t>
+            </a:r>
+            <a:endParaRPr kumimoji="1" lang="zh-CN" altLang="en-US" dirty="0"/>
+          </a:p>
+        </p:txBody>
+      </p:sp>
+      <p:pic>
+        <p:nvPicPr>
+          <p:cNvPr id="4" name="图片 3">
+            <a:extLst>
+              <a:ext uri="{FF2B5EF4-FFF2-40B4-BE49-F238E27FC236}">
+                <a16:creationId xmlns:a16="http://schemas.microsoft.com/office/drawing/2014/main" id="{CA13ED91-CD0B-4D42-8165-B5725B4482A3}"/>
+              </a:ext>
+            </a:extLst>
+          </p:cNvPr>
+          <p:cNvPicPr>
+            <a:picLocks noChangeAspect="1"/>
+          </p:cNvPicPr>
+          <p:nvPr/>
+        </p:nvPicPr>
+        <p:blipFill>
+          <a:blip r:embed="rId2"/>
+          <a:stretch>
+            <a:fillRect/>
+          </a:stretch>
+        </p:blipFill>
+        <p:spPr>
+          <a:xfrm>
+            <a:off x="3330778" y="2314822"/>
+            <a:ext cx="7365726" cy="3303621"/>
+          </a:xfrm>
+          <a:prstGeom prst="rect">
+            <a:avLst/>
+          </a:prstGeom>
+        </p:spPr>
+      </p:pic>
+    </p:spTree>
+    <p:extLst>
+      <p:ext uri="{BB962C8B-B14F-4D97-AF65-F5344CB8AC3E}">
+        <p14:creationId xmlns:p14="http://schemas.microsoft.com/office/powerpoint/2010/main" val="1860170840"/>
+      </p:ext>
+    </p:extLst>
+  </p:cSld>
+  <p:clrMapOvr>
+    <a:masterClrMapping/>
+  </p:clrMapOvr>
+</p:sld>
+</file>
+
+<file path=ppt/slides/slide20.xml><?xml version="1.0" encoding="utf-8"?>
 <p:sld xmlns:a="http://schemas.openxmlformats.org/drawingml/2006/main" xmlns:r="http://schemas.openxmlformats.org/officeDocument/2006/relationships" xmlns:p="http://schemas.openxmlformats.org/presentationml/2006/main">
   <p:cSld>
     <p:spTree>
@@ -6895,7 +7560,7 @@
 </p:sld>
 </file>
 
-<file path=ppt/slides/slide16.xml><?xml version="1.0" encoding="utf-8"?>
+<file path=ppt/slides/slide21.xml><?xml version="1.0" encoding="utf-8"?>
 <p:sld xmlns:a="http://schemas.openxmlformats.org/drawingml/2006/main" xmlns:r="http://schemas.openxmlformats.org/officeDocument/2006/relationships" xmlns:p="http://schemas.openxmlformats.org/presentationml/2006/main">
   <p:cSld>
     <p:spTree>
@@ -7008,7 +7673,1901 @@
 </p:sld>
 </file>
 
-<file path=ppt/slides/slide17.xml><?xml version="1.0" encoding="utf-8"?>
+<file path=ppt/slides/slide22.xml><?xml version="1.0" encoding="utf-8"?>
+<p:sld xmlns:a="http://schemas.openxmlformats.org/drawingml/2006/main" xmlns:r="http://schemas.openxmlformats.org/officeDocument/2006/relationships" xmlns:p="http://schemas.openxmlformats.org/presentationml/2006/main">
+  <p:cSld>
+    <p:spTree>
+      <p:nvGrpSpPr>
+        <p:cNvPr id="1" name=""/>
+        <p:cNvGrpSpPr/>
+        <p:nvPr/>
+      </p:nvGrpSpPr>
+      <p:grpSpPr>
+        <a:xfrm>
+          <a:off x="0" y="0"/>
+          <a:ext cx="0" cy="0"/>
+          <a:chOff x="0" y="0"/>
+          <a:chExt cx="0" cy="0"/>
+        </a:xfrm>
+      </p:grpSpPr>
+      <p:sp>
+        <p:nvSpPr>
+          <p:cNvPr id="2" name="标题 1">
+            <a:extLst>
+              <a:ext uri="{FF2B5EF4-FFF2-40B4-BE49-F238E27FC236}">
+                <a16:creationId xmlns:a16="http://schemas.microsoft.com/office/drawing/2014/main" id="{D178831B-0D84-A241-8479-C59ECEA53A84}"/>
+              </a:ext>
+            </a:extLst>
+          </p:cNvPr>
+          <p:cNvSpPr>
+            <a:spLocks noGrp="1"/>
+          </p:cNvSpPr>
+          <p:nvPr>
+            <p:ph type="ctrTitle"/>
+          </p:nvPr>
+        </p:nvSpPr>
+        <p:spPr>
+          <a:xfrm>
+            <a:off x="3719384" y="2187144"/>
+            <a:ext cx="2979952" cy="1321255"/>
+          </a:xfrm>
+        </p:spPr>
+        <p:txBody>
+          <a:bodyPr/>
+          <a:lstStyle/>
+          <a:p>
+            <a:r>
+              <a:rPr kumimoji="1" lang="en-US" altLang="zh-CN" dirty="0"/>
+              <a:t>Thanks</a:t>
+            </a:r>
+            <a:endParaRPr kumimoji="1" lang="zh-CN" altLang="en-US" dirty="0"/>
+          </a:p>
+        </p:txBody>
+      </p:sp>
+    </p:spTree>
+    <p:extLst>
+      <p:ext uri="{BB962C8B-B14F-4D97-AF65-F5344CB8AC3E}">
+        <p14:creationId xmlns:p14="http://schemas.microsoft.com/office/powerpoint/2010/main" val="1613346970"/>
+      </p:ext>
+    </p:extLst>
+  </p:cSld>
+  <p:clrMapOvr>
+    <a:masterClrMapping/>
+  </p:clrMapOvr>
+</p:sld>
+</file>
+
+<file path=ppt/slides/slide3.xml><?xml version="1.0" encoding="utf-8"?>
+<p:sld xmlns:a="http://schemas.openxmlformats.org/drawingml/2006/main" xmlns:r="http://schemas.openxmlformats.org/officeDocument/2006/relationships" xmlns:p="http://schemas.openxmlformats.org/presentationml/2006/main">
+  <p:cSld>
+    <p:spTree>
+      <p:nvGrpSpPr>
+        <p:cNvPr id="1" name=""/>
+        <p:cNvGrpSpPr/>
+        <p:nvPr/>
+      </p:nvGrpSpPr>
+      <p:grpSpPr>
+        <a:xfrm>
+          <a:off x="0" y="0"/>
+          <a:ext cx="0" cy="0"/>
+          <a:chOff x="0" y="0"/>
+          <a:chExt cx="0" cy="0"/>
+        </a:xfrm>
+      </p:grpSpPr>
+      <p:sp>
+        <p:nvSpPr>
+          <p:cNvPr id="2" name="标题 1">
+            <a:extLst>
+              <a:ext uri="{FF2B5EF4-FFF2-40B4-BE49-F238E27FC236}">
+                <a16:creationId xmlns:a16="http://schemas.microsoft.com/office/drawing/2014/main" id="{8CCF03D6-BB49-1648-A533-657569E2C6EF}"/>
+              </a:ext>
+            </a:extLst>
+          </p:cNvPr>
+          <p:cNvSpPr>
+            <a:spLocks noGrp="1"/>
+          </p:cNvSpPr>
+          <p:nvPr>
+            <p:ph type="title"/>
+          </p:nvPr>
+        </p:nvSpPr>
+        <p:spPr/>
+        <p:txBody>
+          <a:bodyPr/>
+          <a:lstStyle/>
+          <a:p>
+            <a:r>
+              <a:rPr lang="en" altLang="zh-CN" b="1" dirty="0"/>
+              <a:t>Strings</a:t>
+            </a:r>
+            <a:endParaRPr kumimoji="1" lang="zh-CN" altLang="en-US" dirty="0"/>
+          </a:p>
+        </p:txBody>
+      </p:sp>
+      <p:pic>
+        <p:nvPicPr>
+          <p:cNvPr id="4" name="内容占位符 3">
+            <a:extLst>
+              <a:ext uri="{FF2B5EF4-FFF2-40B4-BE49-F238E27FC236}">
+                <a16:creationId xmlns:a16="http://schemas.microsoft.com/office/drawing/2014/main" id="{B62D2C0B-CAAE-094C-B2B5-30179C429921}"/>
+              </a:ext>
+            </a:extLst>
+          </p:cNvPr>
+          <p:cNvPicPr>
+            <a:picLocks noGrp="1" noChangeAspect="1"/>
+          </p:cNvPicPr>
+          <p:nvPr>
+            <p:ph idx="1"/>
+          </p:nvPr>
+        </p:nvPicPr>
+        <p:blipFill>
+          <a:blip r:embed="rId2"/>
+          <a:stretch>
+            <a:fillRect/>
+          </a:stretch>
+        </p:blipFill>
+        <p:spPr>
+          <a:xfrm>
+            <a:off x="685801" y="2199178"/>
+            <a:ext cx="2451100" cy="1219200"/>
+          </a:xfrm>
+          <a:prstGeom prst="rect">
+            <a:avLst/>
+          </a:prstGeom>
+        </p:spPr>
+      </p:pic>
+      <p:pic>
+        <p:nvPicPr>
+          <p:cNvPr id="5" name="图片 4">
+            <a:extLst>
+              <a:ext uri="{FF2B5EF4-FFF2-40B4-BE49-F238E27FC236}">
+                <a16:creationId xmlns:a16="http://schemas.microsoft.com/office/drawing/2014/main" id="{C1CF168C-92DD-EE48-A955-1415211AD488}"/>
+              </a:ext>
+            </a:extLst>
+          </p:cNvPr>
+          <p:cNvPicPr>
+            <a:picLocks noChangeAspect="1"/>
+          </p:cNvPicPr>
+          <p:nvPr/>
+        </p:nvPicPr>
+        <p:blipFill>
+          <a:blip r:embed="rId3"/>
+          <a:stretch>
+            <a:fillRect/>
+          </a:stretch>
+        </p:blipFill>
+        <p:spPr>
+          <a:xfrm>
+            <a:off x="3511955" y="1418128"/>
+            <a:ext cx="3378200" cy="4000500"/>
+          </a:xfrm>
+          <a:prstGeom prst="rect">
+            <a:avLst/>
+          </a:prstGeom>
+        </p:spPr>
+      </p:pic>
+      <p:pic>
+        <p:nvPicPr>
+          <p:cNvPr id="6" name="图片 5">
+            <a:extLst>
+              <a:ext uri="{FF2B5EF4-FFF2-40B4-BE49-F238E27FC236}">
+                <a16:creationId xmlns:a16="http://schemas.microsoft.com/office/drawing/2014/main" id="{15EE8AAB-A1C0-8347-83F4-9E7D9DB6D1CE}"/>
+              </a:ext>
+            </a:extLst>
+          </p:cNvPr>
+          <p:cNvPicPr>
+            <a:picLocks noChangeAspect="1"/>
+          </p:cNvPicPr>
+          <p:nvPr/>
+        </p:nvPicPr>
+        <p:blipFill>
+          <a:blip r:embed="rId4"/>
+          <a:stretch>
+            <a:fillRect/>
+          </a:stretch>
+        </p:blipFill>
+        <p:spPr>
+          <a:xfrm>
+            <a:off x="7617703" y="1418128"/>
+            <a:ext cx="2832100" cy="1701800"/>
+          </a:xfrm>
+          <a:prstGeom prst="rect">
+            <a:avLst/>
+          </a:prstGeom>
+        </p:spPr>
+      </p:pic>
+      <p:pic>
+        <p:nvPicPr>
+          <p:cNvPr id="7" name="图片 6">
+            <a:extLst>
+              <a:ext uri="{FF2B5EF4-FFF2-40B4-BE49-F238E27FC236}">
+                <a16:creationId xmlns:a16="http://schemas.microsoft.com/office/drawing/2014/main" id="{F773256B-8055-874B-AD6C-AFF358F0A452}"/>
+              </a:ext>
+            </a:extLst>
+          </p:cNvPr>
+          <p:cNvPicPr>
+            <a:picLocks noChangeAspect="1"/>
+          </p:cNvPicPr>
+          <p:nvPr/>
+        </p:nvPicPr>
+        <p:blipFill>
+          <a:blip r:embed="rId5"/>
+          <a:stretch>
+            <a:fillRect/>
+          </a:stretch>
+        </p:blipFill>
+        <p:spPr>
+          <a:xfrm>
+            <a:off x="7617703" y="3465498"/>
+            <a:ext cx="3044496" cy="2458647"/>
+          </a:xfrm>
+          <a:prstGeom prst="rect">
+            <a:avLst/>
+          </a:prstGeom>
+        </p:spPr>
+      </p:pic>
+      <p:pic>
+        <p:nvPicPr>
+          <p:cNvPr id="8" name="图片 7">
+            <a:extLst>
+              <a:ext uri="{FF2B5EF4-FFF2-40B4-BE49-F238E27FC236}">
+                <a16:creationId xmlns:a16="http://schemas.microsoft.com/office/drawing/2014/main" id="{F415F784-FC71-3840-AFE8-4EFA0E73FC74}"/>
+              </a:ext>
+            </a:extLst>
+          </p:cNvPr>
+          <p:cNvPicPr>
+            <a:picLocks noChangeAspect="1"/>
+          </p:cNvPicPr>
+          <p:nvPr/>
+        </p:nvPicPr>
+        <p:blipFill>
+          <a:blip r:embed="rId6"/>
+          <a:stretch>
+            <a:fillRect/>
+          </a:stretch>
+        </p:blipFill>
+        <p:spPr>
+          <a:xfrm>
+            <a:off x="813755" y="3980994"/>
+            <a:ext cx="2195192" cy="1943151"/>
+          </a:xfrm>
+          <a:prstGeom prst="rect">
+            <a:avLst/>
+          </a:prstGeom>
+        </p:spPr>
+      </p:pic>
+    </p:spTree>
+    <p:extLst>
+      <p:ext uri="{BB962C8B-B14F-4D97-AF65-F5344CB8AC3E}">
+        <p14:creationId xmlns:p14="http://schemas.microsoft.com/office/powerpoint/2010/main" val="2022927621"/>
+      </p:ext>
+    </p:extLst>
+  </p:cSld>
+  <p:clrMapOvr>
+    <a:masterClrMapping/>
+  </p:clrMapOvr>
+  <p:timing>
+    <p:tnLst>
+      <p:par>
+        <p:cTn id="1" dur="indefinite" restart="never" nodeType="tmRoot">
+          <p:childTnLst>
+            <p:seq concurrent="1" nextAc="seek">
+              <p:cTn id="2" dur="indefinite" nodeType="mainSeq">
+                <p:childTnLst>
+                  <p:par>
+                    <p:cTn id="3" fill="hold">
+                      <p:stCondLst>
+                        <p:cond delay="indefinite"/>
+                      </p:stCondLst>
+                      <p:childTnLst>
+                        <p:par>
+                          <p:cTn id="4" fill="hold">
+                            <p:stCondLst>
+                              <p:cond delay="0"/>
+                            </p:stCondLst>
+                            <p:childTnLst>
+                              <p:par>
+                                <p:cTn id="5" presetID="3" presetClass="entr" presetSubtype="10" fill="hold" nodeType="clickEffect">
+                                  <p:stCondLst>
+                                    <p:cond delay="0"/>
+                                  </p:stCondLst>
+                                  <p:childTnLst>
+                                    <p:set>
+                                      <p:cBhvr>
+                                        <p:cTn id="6" dur="1" fill="hold">
+                                          <p:stCondLst>
+                                            <p:cond delay="0"/>
+                                          </p:stCondLst>
+                                        </p:cTn>
+                                        <p:tgtEl>
+                                          <p:spTgt spid="8"/>
+                                        </p:tgtEl>
+                                        <p:attrNameLst>
+                                          <p:attrName>style.visibility</p:attrName>
+                                        </p:attrNameLst>
+                                      </p:cBhvr>
+                                      <p:to>
+                                        <p:strVal val="visible"/>
+                                      </p:to>
+                                    </p:set>
+                                    <p:animEffect transition="in" filter="blinds(horizontal)">
+                                      <p:cBhvr>
+                                        <p:cTn id="7" dur="500"/>
+                                        <p:tgtEl>
+                                          <p:spTgt spid="8"/>
+                                        </p:tgtEl>
+                                      </p:cBhvr>
+                                    </p:animEffect>
+                                  </p:childTnLst>
+                                </p:cTn>
+                              </p:par>
+                              <p:par>
+                                <p:cTn id="8" presetID="3" presetClass="entr" presetSubtype="10" fill="hold" nodeType="withEffect">
+                                  <p:stCondLst>
+                                    <p:cond delay="0"/>
+                                  </p:stCondLst>
+                                  <p:childTnLst>
+                                    <p:set>
+                                      <p:cBhvr>
+                                        <p:cTn id="9" dur="1" fill="hold">
+                                          <p:stCondLst>
+                                            <p:cond delay="0"/>
+                                          </p:stCondLst>
+                                        </p:cTn>
+                                        <p:tgtEl>
+                                          <p:spTgt spid="5"/>
+                                        </p:tgtEl>
+                                        <p:attrNameLst>
+                                          <p:attrName>style.visibility</p:attrName>
+                                        </p:attrNameLst>
+                                      </p:cBhvr>
+                                      <p:to>
+                                        <p:strVal val="visible"/>
+                                      </p:to>
+                                    </p:set>
+                                    <p:animEffect transition="in" filter="blinds(horizontal)">
+                                      <p:cBhvr>
+                                        <p:cTn id="10" dur="500"/>
+                                        <p:tgtEl>
+                                          <p:spTgt spid="5"/>
+                                        </p:tgtEl>
+                                      </p:cBhvr>
+                                    </p:animEffect>
+                                  </p:childTnLst>
+                                </p:cTn>
+                              </p:par>
+                              <p:par>
+                                <p:cTn id="11" presetID="3" presetClass="entr" presetSubtype="10" fill="hold" nodeType="withEffect">
+                                  <p:stCondLst>
+                                    <p:cond delay="0"/>
+                                  </p:stCondLst>
+                                  <p:childTnLst>
+                                    <p:set>
+                                      <p:cBhvr>
+                                        <p:cTn id="12" dur="1" fill="hold">
+                                          <p:stCondLst>
+                                            <p:cond delay="0"/>
+                                          </p:stCondLst>
+                                        </p:cTn>
+                                        <p:tgtEl>
+                                          <p:spTgt spid="6"/>
+                                        </p:tgtEl>
+                                        <p:attrNameLst>
+                                          <p:attrName>style.visibility</p:attrName>
+                                        </p:attrNameLst>
+                                      </p:cBhvr>
+                                      <p:to>
+                                        <p:strVal val="visible"/>
+                                      </p:to>
+                                    </p:set>
+                                    <p:animEffect transition="in" filter="blinds(horizontal)">
+                                      <p:cBhvr>
+                                        <p:cTn id="13" dur="500"/>
+                                        <p:tgtEl>
+                                          <p:spTgt spid="6"/>
+                                        </p:tgtEl>
+                                      </p:cBhvr>
+                                    </p:animEffect>
+                                  </p:childTnLst>
+                                </p:cTn>
+                              </p:par>
+                              <p:par>
+                                <p:cTn id="14" presetID="3" presetClass="entr" presetSubtype="10" fill="hold" nodeType="withEffect">
+                                  <p:stCondLst>
+                                    <p:cond delay="0"/>
+                                  </p:stCondLst>
+                                  <p:childTnLst>
+                                    <p:set>
+                                      <p:cBhvr>
+                                        <p:cTn id="15" dur="1" fill="hold">
+                                          <p:stCondLst>
+                                            <p:cond delay="0"/>
+                                          </p:stCondLst>
+                                        </p:cTn>
+                                        <p:tgtEl>
+                                          <p:spTgt spid="7"/>
+                                        </p:tgtEl>
+                                        <p:attrNameLst>
+                                          <p:attrName>style.visibility</p:attrName>
+                                        </p:attrNameLst>
+                                      </p:cBhvr>
+                                      <p:to>
+                                        <p:strVal val="visible"/>
+                                      </p:to>
+                                    </p:set>
+                                    <p:animEffect transition="in" filter="blinds(horizontal)">
+                                      <p:cBhvr>
+                                        <p:cTn id="16" dur="500"/>
+                                        <p:tgtEl>
+                                          <p:spTgt spid="7"/>
+                                        </p:tgtEl>
+                                      </p:cBhvr>
+                                    </p:animEffect>
+                                  </p:childTnLst>
+                                </p:cTn>
+                              </p:par>
+                            </p:childTnLst>
+                          </p:cTn>
+                        </p:par>
+                      </p:childTnLst>
+                    </p:cTn>
+                  </p:par>
+                </p:childTnLst>
+              </p:cTn>
+              <p:prevCondLst>
+                <p:cond evt="onPrev" delay="0">
+                  <p:tgtEl>
+                    <p:sldTgt/>
+                  </p:tgtEl>
+                </p:cond>
+              </p:prevCondLst>
+              <p:nextCondLst>
+                <p:cond evt="onNext" delay="0">
+                  <p:tgtEl>
+                    <p:sldTgt/>
+                  </p:tgtEl>
+                </p:cond>
+              </p:nextCondLst>
+            </p:seq>
+          </p:childTnLst>
+        </p:cTn>
+      </p:par>
+    </p:tnLst>
+  </p:timing>
+</p:sld>
+</file>
+
+<file path=ppt/slides/slide4.xml><?xml version="1.0" encoding="utf-8"?>
+<p:sld xmlns:a="http://schemas.openxmlformats.org/drawingml/2006/main" xmlns:r="http://schemas.openxmlformats.org/officeDocument/2006/relationships" xmlns:p="http://schemas.openxmlformats.org/presentationml/2006/main">
+  <p:cSld>
+    <p:spTree>
+      <p:nvGrpSpPr>
+        <p:cNvPr id="1" name=""/>
+        <p:cNvGrpSpPr/>
+        <p:nvPr/>
+      </p:nvGrpSpPr>
+      <p:grpSpPr>
+        <a:xfrm>
+          <a:off x="0" y="0"/>
+          <a:ext cx="0" cy="0"/>
+          <a:chOff x="0" y="0"/>
+          <a:chExt cx="0" cy="0"/>
+        </a:xfrm>
+      </p:grpSpPr>
+      <p:sp>
+        <p:nvSpPr>
+          <p:cNvPr id="2" name="标题 1">
+            <a:extLst>
+              <a:ext uri="{FF2B5EF4-FFF2-40B4-BE49-F238E27FC236}">
+                <a16:creationId xmlns:a16="http://schemas.microsoft.com/office/drawing/2014/main" id="{CCFBF98A-AD27-EE4A-8B58-921E6BAE51E6}"/>
+              </a:ext>
+            </a:extLst>
+          </p:cNvPr>
+          <p:cNvSpPr>
+            <a:spLocks noGrp="1"/>
+          </p:cNvSpPr>
+          <p:nvPr>
+            <p:ph type="title"/>
+          </p:nvPr>
+        </p:nvSpPr>
+        <p:spPr/>
+        <p:txBody>
+          <a:bodyPr/>
+          <a:lstStyle/>
+          <a:p>
+            <a:r>
+              <a:rPr lang="en" altLang="zh-CN" b="1" dirty="0"/>
+              <a:t>Time</a:t>
+            </a:r>
+            <a:endParaRPr kumimoji="1" lang="zh-CN" altLang="en-US" dirty="0"/>
+          </a:p>
+        </p:txBody>
+      </p:sp>
+      <p:pic>
+        <p:nvPicPr>
+          <p:cNvPr id="4" name="内容占位符 3">
+            <a:extLst>
+              <a:ext uri="{FF2B5EF4-FFF2-40B4-BE49-F238E27FC236}">
+                <a16:creationId xmlns:a16="http://schemas.microsoft.com/office/drawing/2014/main" id="{67150106-2299-1C40-8087-06D22058E712}"/>
+              </a:ext>
+            </a:extLst>
+          </p:cNvPr>
+          <p:cNvPicPr>
+            <a:picLocks noGrp="1" noChangeAspect="1"/>
+          </p:cNvPicPr>
+          <p:nvPr>
+            <p:ph idx="1"/>
+          </p:nvPr>
+        </p:nvPicPr>
+        <p:blipFill>
+          <a:blip r:embed="rId2"/>
+          <a:stretch>
+            <a:fillRect/>
+          </a:stretch>
+        </p:blipFill>
+        <p:spPr>
+          <a:xfrm>
+            <a:off x="1480530" y="2516941"/>
+            <a:ext cx="2997200" cy="1498600"/>
+          </a:xfrm>
+          <a:prstGeom prst="rect">
+            <a:avLst/>
+          </a:prstGeom>
+        </p:spPr>
+      </p:pic>
+      <p:sp>
+        <p:nvSpPr>
+          <p:cNvPr id="5" name="内容占位符 2">
+            <a:extLst>
+              <a:ext uri="{FF2B5EF4-FFF2-40B4-BE49-F238E27FC236}">
+                <a16:creationId xmlns:a16="http://schemas.microsoft.com/office/drawing/2014/main" id="{B3433B16-6547-3D42-A923-4AC3F6A72F40}"/>
+              </a:ext>
+            </a:extLst>
+          </p:cNvPr>
+          <p:cNvSpPr txBox="1">
+            <a:spLocks/>
+          </p:cNvSpPr>
+          <p:nvPr/>
+        </p:nvSpPr>
+        <p:spPr>
+          <a:xfrm>
+            <a:off x="6011694" y="1931930"/>
+            <a:ext cx="4708187" cy="2668621"/>
+          </a:xfrm>
+          <a:prstGeom prst="rect">
+            <a:avLst/>
+          </a:prstGeom>
+        </p:spPr>
+        <p:txBody>
+          <a:bodyPr vert="horz" lIns="91440" tIns="45720" rIns="91440" bIns="45720" rtlCol="0" anchor="ctr">
+            <a:normAutofit/>
+          </a:bodyPr>
+          <a:lstStyle>
+            <a:lvl1pPr marL="285750" indent="-285750" algn="l" defTabSz="457200" rtl="0" eaLnBrk="1" latinLnBrk="0" hangingPunct="1">
+              <a:spcBef>
+                <a:spcPts val="0"/>
+              </a:spcBef>
+              <a:spcAft>
+                <a:spcPts val="1000"/>
+              </a:spcAft>
+              <a:buClr>
+                <a:schemeClr val="tx1"/>
+              </a:buClr>
+              <a:buSzPct val="100000"/>
+              <a:buFont typeface="Arial"/>
+              <a:buChar char="•"/>
+              <a:defRPr sz="1800" kern="1200" cap="none">
+                <a:solidFill>
+                  <a:schemeClr val="tx1"/>
+                </a:solidFill>
+                <a:effectLst/>
+                <a:latin typeface="+mn-lt"/>
+                <a:ea typeface="+mn-ea"/>
+                <a:cs typeface="+mn-cs"/>
+              </a:defRPr>
+            </a:lvl1pPr>
+            <a:lvl2pPr marL="742950" indent="-285750" algn="l" defTabSz="457200" rtl="0" eaLnBrk="1" latinLnBrk="0" hangingPunct="1">
+              <a:spcBef>
+                <a:spcPts val="0"/>
+              </a:spcBef>
+              <a:spcAft>
+                <a:spcPts val="1000"/>
+              </a:spcAft>
+              <a:buClr>
+                <a:schemeClr val="tx1"/>
+              </a:buClr>
+              <a:buSzPct val="100000"/>
+              <a:buFont typeface="Arial"/>
+              <a:buChar char="•"/>
+              <a:defRPr sz="1600" kern="1200" cap="none">
+                <a:solidFill>
+                  <a:schemeClr val="tx1"/>
+                </a:solidFill>
+                <a:effectLst/>
+                <a:latin typeface="+mn-lt"/>
+                <a:ea typeface="+mn-ea"/>
+                <a:cs typeface="+mn-cs"/>
+              </a:defRPr>
+            </a:lvl2pPr>
+            <a:lvl3pPr marL="1200150" indent="-285750" algn="l" defTabSz="457200" rtl="0" eaLnBrk="1" latinLnBrk="0" hangingPunct="1">
+              <a:spcBef>
+                <a:spcPts val="0"/>
+              </a:spcBef>
+              <a:spcAft>
+                <a:spcPts val="1000"/>
+              </a:spcAft>
+              <a:buClr>
+                <a:schemeClr val="tx1"/>
+              </a:buClr>
+              <a:buSzPct val="100000"/>
+              <a:buFont typeface="Arial"/>
+              <a:buChar char="•"/>
+              <a:defRPr sz="1400" kern="1200" cap="none">
+                <a:solidFill>
+                  <a:schemeClr val="tx1"/>
+                </a:solidFill>
+                <a:effectLst/>
+                <a:latin typeface="+mn-lt"/>
+                <a:ea typeface="+mn-ea"/>
+                <a:cs typeface="+mn-cs"/>
+              </a:defRPr>
+            </a:lvl3pPr>
+            <a:lvl4pPr marL="1543050" indent="-171450" algn="l" defTabSz="457200" rtl="0" eaLnBrk="1" latinLnBrk="0" hangingPunct="1">
+              <a:spcBef>
+                <a:spcPts val="0"/>
+              </a:spcBef>
+              <a:spcAft>
+                <a:spcPts val="1000"/>
+              </a:spcAft>
+              <a:buClr>
+                <a:schemeClr val="tx1"/>
+              </a:buClr>
+              <a:buSzPct val="100000"/>
+              <a:buFont typeface="Arial"/>
+              <a:buChar char="•"/>
+              <a:defRPr sz="1200" kern="1200" cap="none">
+                <a:solidFill>
+                  <a:schemeClr val="tx1"/>
+                </a:solidFill>
+                <a:effectLst/>
+                <a:latin typeface="+mn-lt"/>
+                <a:ea typeface="+mn-ea"/>
+                <a:cs typeface="+mn-cs"/>
+              </a:defRPr>
+            </a:lvl4pPr>
+            <a:lvl5pPr marL="2000250" indent="-171450" algn="l" defTabSz="457200" rtl="0" eaLnBrk="1" latinLnBrk="0" hangingPunct="1">
+              <a:spcBef>
+                <a:spcPts val="0"/>
+              </a:spcBef>
+              <a:spcAft>
+                <a:spcPts val="1000"/>
+              </a:spcAft>
+              <a:buClr>
+                <a:schemeClr val="tx1"/>
+              </a:buClr>
+              <a:buSzPct val="100000"/>
+              <a:buFont typeface="Arial"/>
+              <a:buChar char="•"/>
+              <a:defRPr sz="1200" kern="1200" cap="none">
+                <a:solidFill>
+                  <a:schemeClr val="tx1"/>
+                </a:solidFill>
+                <a:effectLst/>
+                <a:latin typeface="+mn-lt"/>
+                <a:ea typeface="+mn-ea"/>
+                <a:cs typeface="+mn-cs"/>
+              </a:defRPr>
+            </a:lvl5pPr>
+            <a:lvl6pPr marL="2514600" indent="-228600" algn="l" defTabSz="457200" rtl="0" eaLnBrk="1" latinLnBrk="0" hangingPunct="1">
+              <a:spcBef>
+                <a:spcPts val="0"/>
+              </a:spcBef>
+              <a:spcAft>
+                <a:spcPts val="1000"/>
+              </a:spcAft>
+              <a:buClr>
+                <a:schemeClr val="tx1"/>
+              </a:buClr>
+              <a:buSzPct val="100000"/>
+              <a:buFont typeface="Arial"/>
+              <a:buChar char="•"/>
+              <a:defRPr sz="1200" kern="1200" cap="none">
+                <a:solidFill>
+                  <a:schemeClr val="tx1"/>
+                </a:solidFill>
+                <a:effectLst/>
+                <a:latin typeface="+mn-lt"/>
+                <a:ea typeface="+mn-ea"/>
+                <a:cs typeface="+mn-cs"/>
+              </a:defRPr>
+            </a:lvl6pPr>
+            <a:lvl7pPr marL="2971800" indent="-228600" algn="l" defTabSz="457200" rtl="0" eaLnBrk="1" latinLnBrk="0" hangingPunct="1">
+              <a:spcBef>
+                <a:spcPts val="0"/>
+              </a:spcBef>
+              <a:spcAft>
+                <a:spcPts val="1000"/>
+              </a:spcAft>
+              <a:buClr>
+                <a:schemeClr val="tx1"/>
+              </a:buClr>
+              <a:buSzPct val="100000"/>
+              <a:buFont typeface="Arial"/>
+              <a:buChar char="•"/>
+              <a:defRPr sz="1200" kern="1200" cap="none">
+                <a:solidFill>
+                  <a:schemeClr val="tx1"/>
+                </a:solidFill>
+                <a:effectLst/>
+                <a:latin typeface="+mn-lt"/>
+                <a:ea typeface="+mn-ea"/>
+                <a:cs typeface="+mn-cs"/>
+              </a:defRPr>
+            </a:lvl7pPr>
+            <a:lvl8pPr marL="3429000" indent="-228600" algn="l" defTabSz="457200" rtl="0" eaLnBrk="1" latinLnBrk="0" hangingPunct="1">
+              <a:spcBef>
+                <a:spcPts val="0"/>
+              </a:spcBef>
+              <a:spcAft>
+                <a:spcPts val="1000"/>
+              </a:spcAft>
+              <a:buClr>
+                <a:schemeClr val="tx1"/>
+              </a:buClr>
+              <a:buSzPct val="100000"/>
+              <a:buFont typeface="Arial"/>
+              <a:buChar char="•"/>
+              <a:defRPr sz="1200" kern="1200" cap="none">
+                <a:solidFill>
+                  <a:schemeClr val="tx1"/>
+                </a:solidFill>
+                <a:effectLst/>
+                <a:latin typeface="+mn-lt"/>
+                <a:ea typeface="+mn-ea"/>
+                <a:cs typeface="+mn-cs"/>
+              </a:defRPr>
+            </a:lvl8pPr>
+            <a:lvl9pPr marL="3886200" indent="-228600" algn="l" defTabSz="457200" rtl="0" eaLnBrk="1" latinLnBrk="0" hangingPunct="1">
+              <a:spcBef>
+                <a:spcPts val="0"/>
+              </a:spcBef>
+              <a:spcAft>
+                <a:spcPts val="1000"/>
+              </a:spcAft>
+              <a:buClr>
+                <a:schemeClr val="tx1"/>
+              </a:buClr>
+              <a:buSzPct val="100000"/>
+              <a:buFont typeface="Arial"/>
+              <a:buChar char="•"/>
+              <a:defRPr sz="1200" kern="1200" cap="none">
+                <a:solidFill>
+                  <a:schemeClr val="tx1"/>
+                </a:solidFill>
+                <a:effectLst/>
+                <a:latin typeface="+mn-lt"/>
+                <a:ea typeface="+mn-ea"/>
+                <a:cs typeface="+mn-cs"/>
+              </a:defRPr>
+            </a:lvl9pPr>
+          </a:lstStyle>
+          <a:p>
+            <a:r>
+              <a:rPr lang="zh-CN" altLang="en" sz="3200" b="1" dirty="0"/>
+              <a:t>如何</a:t>
+            </a:r>
+            <a:r>
+              <a:rPr lang="zh-CN" altLang="en-US" sz="3200" b="1" dirty="0"/>
+              <a:t>获取当前时间？</a:t>
+            </a:r>
+            <a:endParaRPr kumimoji="1" lang="zh-CN" altLang="en-US" b="1" dirty="0"/>
+          </a:p>
+        </p:txBody>
+      </p:sp>
+    </p:spTree>
+    <p:extLst>
+      <p:ext uri="{BB962C8B-B14F-4D97-AF65-F5344CB8AC3E}">
+        <p14:creationId xmlns:p14="http://schemas.microsoft.com/office/powerpoint/2010/main" val="923685072"/>
+      </p:ext>
+    </p:extLst>
+  </p:cSld>
+  <p:clrMapOvr>
+    <a:masterClrMapping/>
+  </p:clrMapOvr>
+  <p:timing>
+    <p:tnLst>
+      <p:par>
+        <p:cTn id="1" dur="indefinite" restart="never" nodeType="tmRoot">
+          <p:childTnLst>
+            <p:seq concurrent="1" nextAc="seek">
+              <p:cTn id="2" dur="indefinite" nodeType="mainSeq">
+                <p:childTnLst>
+                  <p:par>
+                    <p:cTn id="3" fill="hold">
+                      <p:stCondLst>
+                        <p:cond delay="indefinite"/>
+                      </p:stCondLst>
+                      <p:childTnLst>
+                        <p:par>
+                          <p:cTn id="4" fill="hold">
+                            <p:stCondLst>
+                              <p:cond delay="0"/>
+                            </p:stCondLst>
+                            <p:childTnLst>
+                              <p:par>
+                                <p:cTn id="5" presetID="16" presetClass="entr" presetSubtype="21" fill="hold" grpId="0" nodeType="clickEffect">
+                                  <p:stCondLst>
+                                    <p:cond delay="0"/>
+                                  </p:stCondLst>
+                                  <p:childTnLst>
+                                    <p:set>
+                                      <p:cBhvr>
+                                        <p:cTn id="6" dur="1" fill="hold">
+                                          <p:stCondLst>
+                                            <p:cond delay="0"/>
+                                          </p:stCondLst>
+                                        </p:cTn>
+                                        <p:tgtEl>
+                                          <p:spTgt spid="5"/>
+                                        </p:tgtEl>
+                                        <p:attrNameLst>
+                                          <p:attrName>style.visibility</p:attrName>
+                                        </p:attrNameLst>
+                                      </p:cBhvr>
+                                      <p:to>
+                                        <p:strVal val="visible"/>
+                                      </p:to>
+                                    </p:set>
+                                    <p:animEffect transition="in" filter="barn(inVertical)">
+                                      <p:cBhvr>
+                                        <p:cTn id="7" dur="500"/>
+                                        <p:tgtEl>
+                                          <p:spTgt spid="5"/>
+                                        </p:tgtEl>
+                                      </p:cBhvr>
+                                    </p:animEffect>
+                                  </p:childTnLst>
+                                </p:cTn>
+                              </p:par>
+                            </p:childTnLst>
+                          </p:cTn>
+                        </p:par>
+                      </p:childTnLst>
+                    </p:cTn>
+                  </p:par>
+                </p:childTnLst>
+              </p:cTn>
+              <p:prevCondLst>
+                <p:cond evt="onPrev" delay="0">
+                  <p:tgtEl>
+                    <p:sldTgt/>
+                  </p:tgtEl>
+                </p:cond>
+              </p:prevCondLst>
+              <p:nextCondLst>
+                <p:cond evt="onNext" delay="0">
+                  <p:tgtEl>
+                    <p:sldTgt/>
+                  </p:tgtEl>
+                </p:cond>
+              </p:nextCondLst>
+            </p:seq>
+          </p:childTnLst>
+        </p:cTn>
+      </p:par>
+    </p:tnLst>
+    <p:bldLst>
+      <p:bldP spid="5" grpId="0"/>
+    </p:bldLst>
+  </p:timing>
+</p:sld>
+</file>
+
+<file path=ppt/slides/slide5.xml><?xml version="1.0" encoding="utf-8"?>
+<p:sld xmlns:a="http://schemas.openxmlformats.org/drawingml/2006/main" xmlns:r="http://schemas.openxmlformats.org/officeDocument/2006/relationships" xmlns:p="http://schemas.openxmlformats.org/presentationml/2006/main">
+  <p:cSld>
+    <p:spTree>
+      <p:nvGrpSpPr>
+        <p:cNvPr id="1" name=""/>
+        <p:cNvGrpSpPr/>
+        <p:nvPr/>
+      </p:nvGrpSpPr>
+      <p:grpSpPr>
+        <a:xfrm>
+          <a:off x="0" y="0"/>
+          <a:ext cx="0" cy="0"/>
+          <a:chOff x="0" y="0"/>
+          <a:chExt cx="0" cy="0"/>
+        </a:xfrm>
+      </p:grpSpPr>
+      <p:sp>
+        <p:nvSpPr>
+          <p:cNvPr id="2" name="标题 1">
+            <a:extLst>
+              <a:ext uri="{FF2B5EF4-FFF2-40B4-BE49-F238E27FC236}">
+                <a16:creationId xmlns:a16="http://schemas.microsoft.com/office/drawing/2014/main" id="{CCFBF98A-AD27-EE4A-8B58-921E6BAE51E6}"/>
+              </a:ext>
+            </a:extLst>
+          </p:cNvPr>
+          <p:cNvSpPr>
+            <a:spLocks noGrp="1"/>
+          </p:cNvSpPr>
+          <p:nvPr>
+            <p:ph type="title"/>
+          </p:nvPr>
+        </p:nvSpPr>
+        <p:spPr/>
+        <p:txBody>
+          <a:bodyPr/>
+          <a:lstStyle/>
+          <a:p>
+            <a:r>
+              <a:rPr lang="en" altLang="zh-CN" b="1" dirty="0"/>
+              <a:t>Time</a:t>
+            </a:r>
+            <a:r>
+              <a:rPr lang="zh-CN" altLang="en-US" b="1" dirty="0"/>
+              <a:t> </a:t>
+            </a:r>
+            <a:r>
+              <a:rPr lang="en-US" altLang="zh-CN" b="1" dirty="0"/>
+              <a:t>–</a:t>
+            </a:r>
+            <a:r>
+              <a:rPr lang="zh-CN" altLang="en-US" b="1" dirty="0"/>
+              <a:t> 如何获取当前时间</a:t>
+            </a:r>
+            <a:endParaRPr kumimoji="1" lang="zh-CN" altLang="en-US" dirty="0"/>
+          </a:p>
+        </p:txBody>
+      </p:sp>
+      <p:sp>
+        <p:nvSpPr>
+          <p:cNvPr id="8" name="内容占位符 2">
+            <a:extLst>
+              <a:ext uri="{FF2B5EF4-FFF2-40B4-BE49-F238E27FC236}">
+                <a16:creationId xmlns:a16="http://schemas.microsoft.com/office/drawing/2014/main" id="{96E27138-0AB8-3940-B7FA-69F3721A7975}"/>
+              </a:ext>
+            </a:extLst>
+          </p:cNvPr>
+          <p:cNvSpPr>
+            <a:spLocks noGrp="1"/>
+          </p:cNvSpPr>
+          <p:nvPr>
+            <p:ph idx="1"/>
+          </p:nvPr>
+        </p:nvSpPr>
+        <p:spPr>
+          <a:xfrm>
+            <a:off x="685801" y="2142067"/>
+            <a:ext cx="3293075" cy="3649133"/>
+          </a:xfrm>
+        </p:spPr>
+        <p:txBody>
+          <a:bodyPr/>
+          <a:lstStyle/>
+          <a:p>
+            <a:r>
+              <a:rPr lang="en" altLang="zh-CN" sz="2000" b="1" dirty="0" err="1"/>
+              <a:t>ngx_time</a:t>
+            </a:r>
+            <a:r>
+              <a:rPr lang="en-US" altLang="zh-CN" sz="2000" b="1" dirty="0"/>
+              <a:t>()</a:t>
+            </a:r>
+          </a:p>
+          <a:p>
+            <a:r>
+              <a:rPr kumimoji="1" lang="en-US" altLang="zh-CN" sz="2000" b="1" dirty="0" err="1"/>
+              <a:t>ngx_timeofday</a:t>
+            </a:r>
+            <a:r>
+              <a:rPr kumimoji="1" lang="en-US" altLang="zh-CN" sz="2000" b="1" dirty="0"/>
+              <a:t>()</a:t>
+            </a:r>
+          </a:p>
+          <a:p>
+            <a:endParaRPr kumimoji="1" lang="en-US" altLang="zh-CN" sz="2000" b="1" dirty="0"/>
+          </a:p>
+          <a:p>
+            <a:r>
+              <a:rPr kumimoji="1" lang="en-US" altLang="zh-CN" sz="2000" b="1" dirty="0" err="1"/>
+              <a:t>ngx_cached_time</a:t>
+            </a:r>
+            <a:endParaRPr kumimoji="1" lang="en-US" altLang="zh-CN" sz="2000" b="1" dirty="0"/>
+          </a:p>
+          <a:p>
+            <a:endParaRPr kumimoji="1" lang="en-US" altLang="zh-CN" sz="2000" b="1" dirty="0"/>
+          </a:p>
+          <a:p>
+            <a:r>
+              <a:rPr kumimoji="1" lang="en" altLang="zh-CN" b="1" dirty="0" err="1"/>
+              <a:t>ngx_time_update</a:t>
+            </a:r>
+            <a:r>
+              <a:rPr kumimoji="1" lang="en" altLang="zh-CN" b="1" dirty="0"/>
+              <a:t>()</a:t>
+            </a:r>
+            <a:endParaRPr kumimoji="1" lang="zh-CN" altLang="en-US" b="1" dirty="0"/>
+          </a:p>
+        </p:txBody>
+      </p:sp>
+      <p:sp>
+        <p:nvSpPr>
+          <p:cNvPr id="9" name="内容占位符 2">
+            <a:extLst>
+              <a:ext uri="{FF2B5EF4-FFF2-40B4-BE49-F238E27FC236}">
+                <a16:creationId xmlns:a16="http://schemas.microsoft.com/office/drawing/2014/main" id="{62F4DBB6-3CF2-5441-896B-05C77959DD9F}"/>
+              </a:ext>
+            </a:extLst>
+          </p:cNvPr>
+          <p:cNvSpPr txBox="1">
+            <a:spLocks/>
+          </p:cNvSpPr>
+          <p:nvPr/>
+        </p:nvSpPr>
+        <p:spPr>
+          <a:xfrm>
+            <a:off x="5751513" y="2142067"/>
+            <a:ext cx="4838228" cy="3331976"/>
+          </a:xfrm>
+          <a:prstGeom prst="rect">
+            <a:avLst/>
+          </a:prstGeom>
+        </p:spPr>
+        <p:txBody>
+          <a:bodyPr vert="horz" lIns="91440" tIns="45720" rIns="91440" bIns="45720" rtlCol="0" anchor="ctr">
+            <a:normAutofit/>
+          </a:bodyPr>
+          <a:lstStyle>
+            <a:lvl1pPr marL="285750" indent="-285750" algn="l" defTabSz="457200" rtl="0" eaLnBrk="1" latinLnBrk="0" hangingPunct="1">
+              <a:spcBef>
+                <a:spcPts val="0"/>
+              </a:spcBef>
+              <a:spcAft>
+                <a:spcPts val="1000"/>
+              </a:spcAft>
+              <a:buClr>
+                <a:schemeClr val="tx1"/>
+              </a:buClr>
+              <a:buSzPct val="100000"/>
+              <a:buFont typeface="Arial"/>
+              <a:buChar char="•"/>
+              <a:defRPr sz="1800" kern="1200" cap="none">
+                <a:solidFill>
+                  <a:schemeClr val="tx1"/>
+                </a:solidFill>
+                <a:effectLst/>
+                <a:latin typeface="+mn-lt"/>
+                <a:ea typeface="+mn-ea"/>
+                <a:cs typeface="+mn-cs"/>
+              </a:defRPr>
+            </a:lvl1pPr>
+            <a:lvl2pPr marL="742950" indent="-285750" algn="l" defTabSz="457200" rtl="0" eaLnBrk="1" latinLnBrk="0" hangingPunct="1">
+              <a:spcBef>
+                <a:spcPts val="0"/>
+              </a:spcBef>
+              <a:spcAft>
+                <a:spcPts val="1000"/>
+              </a:spcAft>
+              <a:buClr>
+                <a:schemeClr val="tx1"/>
+              </a:buClr>
+              <a:buSzPct val="100000"/>
+              <a:buFont typeface="Arial"/>
+              <a:buChar char="•"/>
+              <a:defRPr sz="1600" kern="1200" cap="none">
+                <a:solidFill>
+                  <a:schemeClr val="tx1"/>
+                </a:solidFill>
+                <a:effectLst/>
+                <a:latin typeface="+mn-lt"/>
+                <a:ea typeface="+mn-ea"/>
+                <a:cs typeface="+mn-cs"/>
+              </a:defRPr>
+            </a:lvl2pPr>
+            <a:lvl3pPr marL="1200150" indent="-285750" algn="l" defTabSz="457200" rtl="0" eaLnBrk="1" latinLnBrk="0" hangingPunct="1">
+              <a:spcBef>
+                <a:spcPts val="0"/>
+              </a:spcBef>
+              <a:spcAft>
+                <a:spcPts val="1000"/>
+              </a:spcAft>
+              <a:buClr>
+                <a:schemeClr val="tx1"/>
+              </a:buClr>
+              <a:buSzPct val="100000"/>
+              <a:buFont typeface="Arial"/>
+              <a:buChar char="•"/>
+              <a:defRPr sz="1400" kern="1200" cap="none">
+                <a:solidFill>
+                  <a:schemeClr val="tx1"/>
+                </a:solidFill>
+                <a:effectLst/>
+                <a:latin typeface="+mn-lt"/>
+                <a:ea typeface="+mn-ea"/>
+                <a:cs typeface="+mn-cs"/>
+              </a:defRPr>
+            </a:lvl3pPr>
+            <a:lvl4pPr marL="1543050" indent="-171450" algn="l" defTabSz="457200" rtl="0" eaLnBrk="1" latinLnBrk="0" hangingPunct="1">
+              <a:spcBef>
+                <a:spcPts val="0"/>
+              </a:spcBef>
+              <a:spcAft>
+                <a:spcPts val="1000"/>
+              </a:spcAft>
+              <a:buClr>
+                <a:schemeClr val="tx1"/>
+              </a:buClr>
+              <a:buSzPct val="100000"/>
+              <a:buFont typeface="Arial"/>
+              <a:buChar char="•"/>
+              <a:defRPr sz="1200" kern="1200" cap="none">
+                <a:solidFill>
+                  <a:schemeClr val="tx1"/>
+                </a:solidFill>
+                <a:effectLst/>
+                <a:latin typeface="+mn-lt"/>
+                <a:ea typeface="+mn-ea"/>
+                <a:cs typeface="+mn-cs"/>
+              </a:defRPr>
+            </a:lvl4pPr>
+            <a:lvl5pPr marL="2000250" indent="-171450" algn="l" defTabSz="457200" rtl="0" eaLnBrk="1" latinLnBrk="0" hangingPunct="1">
+              <a:spcBef>
+                <a:spcPts val="0"/>
+              </a:spcBef>
+              <a:spcAft>
+                <a:spcPts val="1000"/>
+              </a:spcAft>
+              <a:buClr>
+                <a:schemeClr val="tx1"/>
+              </a:buClr>
+              <a:buSzPct val="100000"/>
+              <a:buFont typeface="Arial"/>
+              <a:buChar char="•"/>
+              <a:defRPr sz="1200" kern="1200" cap="none">
+                <a:solidFill>
+                  <a:schemeClr val="tx1"/>
+                </a:solidFill>
+                <a:effectLst/>
+                <a:latin typeface="+mn-lt"/>
+                <a:ea typeface="+mn-ea"/>
+                <a:cs typeface="+mn-cs"/>
+              </a:defRPr>
+            </a:lvl5pPr>
+            <a:lvl6pPr marL="2514600" indent="-228600" algn="l" defTabSz="457200" rtl="0" eaLnBrk="1" latinLnBrk="0" hangingPunct="1">
+              <a:spcBef>
+                <a:spcPts val="0"/>
+              </a:spcBef>
+              <a:spcAft>
+                <a:spcPts val="1000"/>
+              </a:spcAft>
+              <a:buClr>
+                <a:schemeClr val="tx1"/>
+              </a:buClr>
+              <a:buSzPct val="100000"/>
+              <a:buFont typeface="Arial"/>
+              <a:buChar char="•"/>
+              <a:defRPr sz="1200" kern="1200" cap="none">
+                <a:solidFill>
+                  <a:schemeClr val="tx1"/>
+                </a:solidFill>
+                <a:effectLst/>
+                <a:latin typeface="+mn-lt"/>
+                <a:ea typeface="+mn-ea"/>
+                <a:cs typeface="+mn-cs"/>
+              </a:defRPr>
+            </a:lvl6pPr>
+            <a:lvl7pPr marL="2971800" indent="-228600" algn="l" defTabSz="457200" rtl="0" eaLnBrk="1" latinLnBrk="0" hangingPunct="1">
+              <a:spcBef>
+                <a:spcPts val="0"/>
+              </a:spcBef>
+              <a:spcAft>
+                <a:spcPts val="1000"/>
+              </a:spcAft>
+              <a:buClr>
+                <a:schemeClr val="tx1"/>
+              </a:buClr>
+              <a:buSzPct val="100000"/>
+              <a:buFont typeface="Arial"/>
+              <a:buChar char="•"/>
+              <a:defRPr sz="1200" kern="1200" cap="none">
+                <a:solidFill>
+                  <a:schemeClr val="tx1"/>
+                </a:solidFill>
+                <a:effectLst/>
+                <a:latin typeface="+mn-lt"/>
+                <a:ea typeface="+mn-ea"/>
+                <a:cs typeface="+mn-cs"/>
+              </a:defRPr>
+            </a:lvl7pPr>
+            <a:lvl8pPr marL="3429000" indent="-228600" algn="l" defTabSz="457200" rtl="0" eaLnBrk="1" latinLnBrk="0" hangingPunct="1">
+              <a:spcBef>
+                <a:spcPts val="0"/>
+              </a:spcBef>
+              <a:spcAft>
+                <a:spcPts val="1000"/>
+              </a:spcAft>
+              <a:buClr>
+                <a:schemeClr val="tx1"/>
+              </a:buClr>
+              <a:buSzPct val="100000"/>
+              <a:buFont typeface="Arial"/>
+              <a:buChar char="•"/>
+              <a:defRPr sz="1200" kern="1200" cap="none">
+                <a:solidFill>
+                  <a:schemeClr val="tx1"/>
+                </a:solidFill>
+                <a:effectLst/>
+                <a:latin typeface="+mn-lt"/>
+                <a:ea typeface="+mn-ea"/>
+                <a:cs typeface="+mn-cs"/>
+              </a:defRPr>
+            </a:lvl8pPr>
+            <a:lvl9pPr marL="3886200" indent="-228600" algn="l" defTabSz="457200" rtl="0" eaLnBrk="1" latinLnBrk="0" hangingPunct="1">
+              <a:spcBef>
+                <a:spcPts val="0"/>
+              </a:spcBef>
+              <a:spcAft>
+                <a:spcPts val="1000"/>
+              </a:spcAft>
+              <a:buClr>
+                <a:schemeClr val="tx1"/>
+              </a:buClr>
+              <a:buSzPct val="100000"/>
+              <a:buFont typeface="Arial"/>
+              <a:buChar char="•"/>
+              <a:defRPr sz="1200" kern="1200" cap="none">
+                <a:solidFill>
+                  <a:schemeClr val="tx1"/>
+                </a:solidFill>
+                <a:effectLst/>
+                <a:latin typeface="+mn-lt"/>
+                <a:ea typeface="+mn-ea"/>
+                <a:cs typeface="+mn-cs"/>
+              </a:defRPr>
+            </a:lvl9pPr>
+          </a:lstStyle>
+          <a:p>
+            <a:r>
+              <a:rPr kumimoji="1" lang="zh-CN" altLang="en-US" b="1" dirty="0"/>
+              <a:t>获取系统时间保存到</a:t>
+            </a:r>
+            <a:r>
+              <a:rPr kumimoji="1" lang="en-US" altLang="zh-CN" b="1" dirty="0" err="1"/>
+              <a:t>cached_time</a:t>
+            </a:r>
+            <a:r>
+              <a:rPr kumimoji="1" lang="en-US" altLang="zh-CN" b="1" dirty="0"/>
+              <a:t>?</a:t>
+            </a:r>
+          </a:p>
+          <a:p>
+            <a:r>
+              <a:rPr kumimoji="1" lang="zh-CN" altLang="en-US" b="1" dirty="0"/>
+              <a:t>设置</a:t>
+            </a:r>
+            <a:r>
+              <a:rPr kumimoji="1" lang="en-US" altLang="zh-CN" b="1" dirty="0"/>
+              <a:t>64</a:t>
+            </a:r>
+            <a:r>
+              <a:rPr kumimoji="1" lang="zh-CN" altLang="en-US" b="1" dirty="0"/>
+              <a:t>个</a:t>
+            </a:r>
+            <a:r>
+              <a:rPr kumimoji="1" lang="en-US" altLang="zh-CN" b="1" dirty="0" err="1"/>
+              <a:t>catchd_times</a:t>
+            </a:r>
+            <a:r>
+              <a:rPr kumimoji="1" lang="en-US" altLang="zh-CN" b="1" dirty="0"/>
+              <a:t>[],</a:t>
+            </a:r>
+            <a:r>
+              <a:rPr kumimoji="1" lang="zh-CN" altLang="en-US" b="1" dirty="0"/>
+              <a:t> 修改指针？</a:t>
+            </a:r>
+            <a:endParaRPr kumimoji="1" lang="en-US" altLang="zh-CN" b="1" dirty="0"/>
+          </a:p>
+          <a:p>
+            <a:r>
+              <a:rPr kumimoji="1" lang="zh-CN" altLang="en-US" b="1" dirty="0"/>
+              <a:t>有没有可能并发修改？</a:t>
+            </a:r>
+            <a:endParaRPr kumimoji="1" lang="en-US" altLang="zh-CN" b="1" dirty="0"/>
+          </a:p>
+          <a:p>
+            <a:r>
+              <a:rPr kumimoji="1" lang="zh-CN" altLang="en-US" b="1" dirty="0"/>
+              <a:t>要同时修改一系列的变量，如何保证程序执行正确？</a:t>
+            </a:r>
+            <a:r>
+              <a:rPr kumimoji="1" lang="en" altLang="zh-CN" b="1" dirty="0"/>
+              <a:t> </a:t>
+            </a:r>
+            <a:r>
+              <a:rPr kumimoji="1" lang="en" altLang="zh-CN" b="1" dirty="0" err="1"/>
+              <a:t>ngx_memory_barrier</a:t>
+            </a:r>
+            <a:endParaRPr kumimoji="1" lang="zh-CN" altLang="en-US" b="1" dirty="0"/>
+          </a:p>
+        </p:txBody>
+      </p:sp>
+    </p:spTree>
+    <p:extLst>
+      <p:ext uri="{BB962C8B-B14F-4D97-AF65-F5344CB8AC3E}">
+        <p14:creationId xmlns:p14="http://schemas.microsoft.com/office/powerpoint/2010/main" val="321325546"/>
+      </p:ext>
+    </p:extLst>
+  </p:cSld>
+  <p:clrMapOvr>
+    <a:masterClrMapping/>
+  </p:clrMapOvr>
+  <p:timing>
+    <p:tnLst>
+      <p:par>
+        <p:cTn id="1" dur="indefinite" restart="never" nodeType="tmRoot">
+          <p:childTnLst>
+            <p:seq concurrent="1" nextAc="seek">
+              <p:cTn id="2" dur="indefinite" nodeType="mainSeq">
+                <p:childTnLst>
+                  <p:par>
+                    <p:cTn id="3" fill="hold">
+                      <p:stCondLst>
+                        <p:cond delay="indefinite"/>
+                      </p:stCondLst>
+                      <p:childTnLst>
+                        <p:par>
+                          <p:cTn id="4" fill="hold">
+                            <p:stCondLst>
+                              <p:cond delay="0"/>
+                            </p:stCondLst>
+                            <p:childTnLst>
+                              <p:par>
+                                <p:cTn id="5" presetID="2" presetClass="entr" presetSubtype="4" fill="hold" nodeType="clickEffect">
+                                  <p:stCondLst>
+                                    <p:cond delay="0"/>
+                                  </p:stCondLst>
+                                  <p:childTnLst>
+                                    <p:set>
+                                      <p:cBhvr>
+                                        <p:cTn id="6" dur="1" fill="hold">
+                                          <p:stCondLst>
+                                            <p:cond delay="0"/>
+                                          </p:stCondLst>
+                                        </p:cTn>
+                                        <p:tgtEl>
+                                          <p:spTgt spid="9">
+                                            <p:txEl>
+                                              <p:pRg st="0" end="0"/>
+                                            </p:txEl>
+                                          </p:spTgt>
+                                        </p:tgtEl>
+                                        <p:attrNameLst>
+                                          <p:attrName>style.visibility</p:attrName>
+                                        </p:attrNameLst>
+                                      </p:cBhvr>
+                                      <p:to>
+                                        <p:strVal val="visible"/>
+                                      </p:to>
+                                    </p:set>
+                                    <p:anim calcmode="lin" valueType="num">
+                                      <p:cBhvr additive="base">
+                                        <p:cTn id="7" dur="500" fill="hold"/>
+                                        <p:tgtEl>
+                                          <p:spTgt spid="9">
+                                            <p:txEl>
+                                              <p:pRg st="0" end="0"/>
+                                            </p:txEl>
+                                          </p:spTgt>
+                                        </p:tgtEl>
+                                        <p:attrNameLst>
+                                          <p:attrName>ppt_x</p:attrName>
+                                        </p:attrNameLst>
+                                      </p:cBhvr>
+                                      <p:tavLst>
+                                        <p:tav tm="0">
+                                          <p:val>
+                                            <p:strVal val="#ppt_x"/>
+                                          </p:val>
+                                        </p:tav>
+                                        <p:tav tm="100000">
+                                          <p:val>
+                                            <p:strVal val="#ppt_x"/>
+                                          </p:val>
+                                        </p:tav>
+                                      </p:tavLst>
+                                    </p:anim>
+                                    <p:anim calcmode="lin" valueType="num">
+                                      <p:cBhvr additive="base">
+                                        <p:cTn id="8" dur="500" fill="hold"/>
+                                        <p:tgtEl>
+                                          <p:spTgt spid="9">
+                                            <p:txEl>
+                                              <p:pRg st="0" end="0"/>
+                                            </p:txEl>
+                                          </p:spTgt>
+                                        </p:tgtEl>
+                                        <p:attrNameLst>
+                                          <p:attrName>ppt_y</p:attrName>
+                                        </p:attrNameLst>
+                                      </p:cBhvr>
+                                      <p:tavLst>
+                                        <p:tav tm="0">
+                                          <p:val>
+                                            <p:strVal val="1+#ppt_h/2"/>
+                                          </p:val>
+                                        </p:tav>
+                                        <p:tav tm="100000">
+                                          <p:val>
+                                            <p:strVal val="#ppt_y"/>
+                                          </p:val>
+                                        </p:tav>
+                                      </p:tavLst>
+                                    </p:anim>
+                                  </p:childTnLst>
+                                </p:cTn>
+                              </p:par>
+                            </p:childTnLst>
+                          </p:cTn>
+                        </p:par>
+                      </p:childTnLst>
+                    </p:cTn>
+                  </p:par>
+                  <p:par>
+                    <p:cTn id="9" fill="hold">
+                      <p:stCondLst>
+                        <p:cond delay="indefinite"/>
+                      </p:stCondLst>
+                      <p:childTnLst>
+                        <p:par>
+                          <p:cTn id="10" fill="hold">
+                            <p:stCondLst>
+                              <p:cond delay="0"/>
+                            </p:stCondLst>
+                            <p:childTnLst>
+                              <p:par>
+                                <p:cTn id="11" presetID="2" presetClass="entr" presetSubtype="4" fill="hold" nodeType="clickEffect">
+                                  <p:stCondLst>
+                                    <p:cond delay="0"/>
+                                  </p:stCondLst>
+                                  <p:childTnLst>
+                                    <p:set>
+                                      <p:cBhvr>
+                                        <p:cTn id="12" dur="1" fill="hold">
+                                          <p:stCondLst>
+                                            <p:cond delay="0"/>
+                                          </p:stCondLst>
+                                        </p:cTn>
+                                        <p:tgtEl>
+                                          <p:spTgt spid="9">
+                                            <p:txEl>
+                                              <p:pRg st="1" end="1"/>
+                                            </p:txEl>
+                                          </p:spTgt>
+                                        </p:tgtEl>
+                                        <p:attrNameLst>
+                                          <p:attrName>style.visibility</p:attrName>
+                                        </p:attrNameLst>
+                                      </p:cBhvr>
+                                      <p:to>
+                                        <p:strVal val="visible"/>
+                                      </p:to>
+                                    </p:set>
+                                    <p:anim calcmode="lin" valueType="num">
+                                      <p:cBhvr additive="base">
+                                        <p:cTn id="13" dur="500" fill="hold"/>
+                                        <p:tgtEl>
+                                          <p:spTgt spid="9">
+                                            <p:txEl>
+                                              <p:pRg st="1" end="1"/>
+                                            </p:txEl>
+                                          </p:spTgt>
+                                        </p:tgtEl>
+                                        <p:attrNameLst>
+                                          <p:attrName>ppt_x</p:attrName>
+                                        </p:attrNameLst>
+                                      </p:cBhvr>
+                                      <p:tavLst>
+                                        <p:tav tm="0">
+                                          <p:val>
+                                            <p:strVal val="#ppt_x"/>
+                                          </p:val>
+                                        </p:tav>
+                                        <p:tav tm="100000">
+                                          <p:val>
+                                            <p:strVal val="#ppt_x"/>
+                                          </p:val>
+                                        </p:tav>
+                                      </p:tavLst>
+                                    </p:anim>
+                                    <p:anim calcmode="lin" valueType="num">
+                                      <p:cBhvr additive="base">
+                                        <p:cTn id="14" dur="500" fill="hold"/>
+                                        <p:tgtEl>
+                                          <p:spTgt spid="9">
+                                            <p:txEl>
+                                              <p:pRg st="1" end="1"/>
+                                            </p:txEl>
+                                          </p:spTgt>
+                                        </p:tgtEl>
+                                        <p:attrNameLst>
+                                          <p:attrName>ppt_y</p:attrName>
+                                        </p:attrNameLst>
+                                      </p:cBhvr>
+                                      <p:tavLst>
+                                        <p:tav tm="0">
+                                          <p:val>
+                                            <p:strVal val="1+#ppt_h/2"/>
+                                          </p:val>
+                                        </p:tav>
+                                        <p:tav tm="100000">
+                                          <p:val>
+                                            <p:strVal val="#ppt_y"/>
+                                          </p:val>
+                                        </p:tav>
+                                      </p:tavLst>
+                                    </p:anim>
+                                  </p:childTnLst>
+                                </p:cTn>
+                              </p:par>
+                            </p:childTnLst>
+                          </p:cTn>
+                        </p:par>
+                      </p:childTnLst>
+                    </p:cTn>
+                  </p:par>
+                  <p:par>
+                    <p:cTn id="15" fill="hold">
+                      <p:stCondLst>
+                        <p:cond delay="indefinite"/>
+                      </p:stCondLst>
+                      <p:childTnLst>
+                        <p:par>
+                          <p:cTn id="16" fill="hold">
+                            <p:stCondLst>
+                              <p:cond delay="0"/>
+                            </p:stCondLst>
+                            <p:childTnLst>
+                              <p:par>
+                                <p:cTn id="17" presetID="2" presetClass="entr" presetSubtype="4" fill="hold" nodeType="clickEffect">
+                                  <p:stCondLst>
+                                    <p:cond delay="0"/>
+                                  </p:stCondLst>
+                                  <p:childTnLst>
+                                    <p:set>
+                                      <p:cBhvr>
+                                        <p:cTn id="18" dur="1" fill="hold">
+                                          <p:stCondLst>
+                                            <p:cond delay="0"/>
+                                          </p:stCondLst>
+                                        </p:cTn>
+                                        <p:tgtEl>
+                                          <p:spTgt spid="9">
+                                            <p:txEl>
+                                              <p:pRg st="2" end="2"/>
+                                            </p:txEl>
+                                          </p:spTgt>
+                                        </p:tgtEl>
+                                        <p:attrNameLst>
+                                          <p:attrName>style.visibility</p:attrName>
+                                        </p:attrNameLst>
+                                      </p:cBhvr>
+                                      <p:to>
+                                        <p:strVal val="visible"/>
+                                      </p:to>
+                                    </p:set>
+                                    <p:anim calcmode="lin" valueType="num">
+                                      <p:cBhvr additive="base">
+                                        <p:cTn id="19" dur="500" fill="hold"/>
+                                        <p:tgtEl>
+                                          <p:spTgt spid="9">
+                                            <p:txEl>
+                                              <p:pRg st="2" end="2"/>
+                                            </p:txEl>
+                                          </p:spTgt>
+                                        </p:tgtEl>
+                                        <p:attrNameLst>
+                                          <p:attrName>ppt_x</p:attrName>
+                                        </p:attrNameLst>
+                                      </p:cBhvr>
+                                      <p:tavLst>
+                                        <p:tav tm="0">
+                                          <p:val>
+                                            <p:strVal val="#ppt_x"/>
+                                          </p:val>
+                                        </p:tav>
+                                        <p:tav tm="100000">
+                                          <p:val>
+                                            <p:strVal val="#ppt_x"/>
+                                          </p:val>
+                                        </p:tav>
+                                      </p:tavLst>
+                                    </p:anim>
+                                    <p:anim calcmode="lin" valueType="num">
+                                      <p:cBhvr additive="base">
+                                        <p:cTn id="20" dur="500" fill="hold"/>
+                                        <p:tgtEl>
+                                          <p:spTgt spid="9">
+                                            <p:txEl>
+                                              <p:pRg st="2" end="2"/>
+                                            </p:txEl>
+                                          </p:spTgt>
+                                        </p:tgtEl>
+                                        <p:attrNameLst>
+                                          <p:attrName>ppt_y</p:attrName>
+                                        </p:attrNameLst>
+                                      </p:cBhvr>
+                                      <p:tavLst>
+                                        <p:tav tm="0">
+                                          <p:val>
+                                            <p:strVal val="1+#ppt_h/2"/>
+                                          </p:val>
+                                        </p:tav>
+                                        <p:tav tm="100000">
+                                          <p:val>
+                                            <p:strVal val="#ppt_y"/>
+                                          </p:val>
+                                        </p:tav>
+                                      </p:tavLst>
+                                    </p:anim>
+                                  </p:childTnLst>
+                                </p:cTn>
+                              </p:par>
+                            </p:childTnLst>
+                          </p:cTn>
+                        </p:par>
+                      </p:childTnLst>
+                    </p:cTn>
+                  </p:par>
+                  <p:par>
+                    <p:cTn id="21" fill="hold">
+                      <p:stCondLst>
+                        <p:cond delay="indefinite"/>
+                      </p:stCondLst>
+                      <p:childTnLst>
+                        <p:par>
+                          <p:cTn id="22" fill="hold">
+                            <p:stCondLst>
+                              <p:cond delay="0"/>
+                            </p:stCondLst>
+                            <p:childTnLst>
+                              <p:par>
+                                <p:cTn id="23" presetID="2" presetClass="entr" presetSubtype="4" fill="hold" nodeType="clickEffect">
+                                  <p:stCondLst>
+                                    <p:cond delay="0"/>
+                                  </p:stCondLst>
+                                  <p:childTnLst>
+                                    <p:set>
+                                      <p:cBhvr>
+                                        <p:cTn id="24" dur="1" fill="hold">
+                                          <p:stCondLst>
+                                            <p:cond delay="0"/>
+                                          </p:stCondLst>
+                                        </p:cTn>
+                                        <p:tgtEl>
+                                          <p:spTgt spid="9">
+                                            <p:txEl>
+                                              <p:pRg st="3" end="3"/>
+                                            </p:txEl>
+                                          </p:spTgt>
+                                        </p:tgtEl>
+                                        <p:attrNameLst>
+                                          <p:attrName>style.visibility</p:attrName>
+                                        </p:attrNameLst>
+                                      </p:cBhvr>
+                                      <p:to>
+                                        <p:strVal val="visible"/>
+                                      </p:to>
+                                    </p:set>
+                                    <p:anim calcmode="lin" valueType="num">
+                                      <p:cBhvr additive="base">
+                                        <p:cTn id="25" dur="500" fill="hold"/>
+                                        <p:tgtEl>
+                                          <p:spTgt spid="9">
+                                            <p:txEl>
+                                              <p:pRg st="3" end="3"/>
+                                            </p:txEl>
+                                          </p:spTgt>
+                                        </p:tgtEl>
+                                        <p:attrNameLst>
+                                          <p:attrName>ppt_x</p:attrName>
+                                        </p:attrNameLst>
+                                      </p:cBhvr>
+                                      <p:tavLst>
+                                        <p:tav tm="0">
+                                          <p:val>
+                                            <p:strVal val="#ppt_x"/>
+                                          </p:val>
+                                        </p:tav>
+                                        <p:tav tm="100000">
+                                          <p:val>
+                                            <p:strVal val="#ppt_x"/>
+                                          </p:val>
+                                        </p:tav>
+                                      </p:tavLst>
+                                    </p:anim>
+                                    <p:anim calcmode="lin" valueType="num">
+                                      <p:cBhvr additive="base">
+                                        <p:cTn id="26" dur="500" fill="hold"/>
+                                        <p:tgtEl>
+                                          <p:spTgt spid="9">
+                                            <p:txEl>
+                                              <p:pRg st="3" end="3"/>
+                                            </p:txEl>
+                                          </p:spTgt>
+                                        </p:tgtEl>
+                                        <p:attrNameLst>
+                                          <p:attrName>ppt_y</p:attrName>
+                                        </p:attrNameLst>
+                                      </p:cBhvr>
+                                      <p:tavLst>
+                                        <p:tav tm="0">
+                                          <p:val>
+                                            <p:strVal val="1+#ppt_h/2"/>
+                                          </p:val>
+                                        </p:tav>
+                                        <p:tav tm="100000">
+                                          <p:val>
+                                            <p:strVal val="#ppt_y"/>
+                                          </p:val>
+                                        </p:tav>
+                                      </p:tavLst>
+                                    </p:anim>
+                                  </p:childTnLst>
+                                </p:cTn>
+                              </p:par>
+                            </p:childTnLst>
+                          </p:cTn>
+                        </p:par>
+                      </p:childTnLst>
+                    </p:cTn>
+                  </p:par>
+                </p:childTnLst>
+              </p:cTn>
+              <p:prevCondLst>
+                <p:cond evt="onPrev" delay="0">
+                  <p:tgtEl>
+                    <p:sldTgt/>
+                  </p:tgtEl>
+                </p:cond>
+              </p:prevCondLst>
+              <p:nextCondLst>
+                <p:cond evt="onNext" delay="0">
+                  <p:tgtEl>
+                    <p:sldTgt/>
+                  </p:tgtEl>
+                </p:cond>
+              </p:nextCondLst>
+            </p:seq>
+          </p:childTnLst>
+        </p:cTn>
+      </p:par>
+    </p:tnLst>
+  </p:timing>
+</p:sld>
+</file>
+
+<file path=ppt/slides/slide6.xml><?xml version="1.0" encoding="utf-8"?>
+<p:sld xmlns:a="http://schemas.openxmlformats.org/drawingml/2006/main" xmlns:r="http://schemas.openxmlformats.org/officeDocument/2006/relationships" xmlns:p="http://schemas.openxmlformats.org/presentationml/2006/main">
+  <p:cSld>
+    <p:spTree>
+      <p:nvGrpSpPr>
+        <p:cNvPr id="1" name=""/>
+        <p:cNvGrpSpPr/>
+        <p:nvPr/>
+      </p:nvGrpSpPr>
+      <p:grpSpPr>
+        <a:xfrm>
+          <a:off x="0" y="0"/>
+          <a:ext cx="0" cy="0"/>
+          <a:chOff x="0" y="0"/>
+          <a:chExt cx="0" cy="0"/>
+        </a:xfrm>
+      </p:grpSpPr>
+      <p:sp>
+        <p:nvSpPr>
+          <p:cNvPr id="2" name="标题 1">
+            <a:extLst>
+              <a:ext uri="{FF2B5EF4-FFF2-40B4-BE49-F238E27FC236}">
+                <a16:creationId xmlns:a16="http://schemas.microsoft.com/office/drawing/2014/main" id="{CCFBF98A-AD27-EE4A-8B58-921E6BAE51E6}"/>
+              </a:ext>
+            </a:extLst>
+          </p:cNvPr>
+          <p:cNvSpPr>
+            <a:spLocks noGrp="1"/>
+          </p:cNvSpPr>
+          <p:nvPr>
+            <p:ph type="title"/>
+          </p:nvPr>
+        </p:nvSpPr>
+        <p:spPr/>
+        <p:txBody>
+          <a:bodyPr/>
+          <a:lstStyle/>
+          <a:p>
+            <a:r>
+              <a:rPr lang="en" altLang="zh-CN" b="1" dirty="0"/>
+              <a:t>Array</a:t>
+            </a:r>
+          </a:p>
+        </p:txBody>
+      </p:sp>
+      <p:pic>
+        <p:nvPicPr>
+          <p:cNvPr id="7" name="内容占位符 6">
+            <a:extLst>
+              <a:ext uri="{FF2B5EF4-FFF2-40B4-BE49-F238E27FC236}">
+                <a16:creationId xmlns:a16="http://schemas.microsoft.com/office/drawing/2014/main" id="{2ABF0C10-FDE4-8A42-A4D8-ADF67AA9FB0C}"/>
+              </a:ext>
+            </a:extLst>
+          </p:cNvPr>
+          <p:cNvPicPr>
+            <a:picLocks noGrp="1" noChangeAspect="1"/>
+          </p:cNvPicPr>
+          <p:nvPr>
+            <p:ph idx="1"/>
+          </p:nvPr>
+        </p:nvPicPr>
+        <p:blipFill>
+          <a:blip r:embed="rId2"/>
+          <a:stretch>
+            <a:fillRect/>
+          </a:stretch>
+        </p:blipFill>
+        <p:spPr>
+          <a:xfrm>
+            <a:off x="774700" y="2509403"/>
+            <a:ext cx="9953625" cy="2073671"/>
+          </a:xfrm>
+          <a:prstGeom prst="rect">
+            <a:avLst/>
+          </a:prstGeom>
+        </p:spPr>
+      </p:pic>
+      <p:pic>
+        <p:nvPicPr>
+          <p:cNvPr id="8" name="图片 7">
+            <a:extLst>
+              <a:ext uri="{FF2B5EF4-FFF2-40B4-BE49-F238E27FC236}">
+                <a16:creationId xmlns:a16="http://schemas.microsoft.com/office/drawing/2014/main" id="{BA2F11BF-E2CD-B649-9FBA-E3EE63C69067}"/>
+              </a:ext>
+            </a:extLst>
+          </p:cNvPr>
+          <p:cNvPicPr>
+            <a:picLocks noChangeAspect="1"/>
+          </p:cNvPicPr>
+          <p:nvPr/>
+        </p:nvPicPr>
+        <p:blipFill>
+          <a:blip r:embed="rId3"/>
+          <a:stretch>
+            <a:fillRect/>
+          </a:stretch>
+        </p:blipFill>
+        <p:spPr>
+          <a:xfrm>
+            <a:off x="2457107" y="5026610"/>
+            <a:ext cx="6388100" cy="1168400"/>
+          </a:xfrm>
+          <a:prstGeom prst="rect">
+            <a:avLst/>
+          </a:prstGeom>
+        </p:spPr>
+      </p:pic>
+    </p:spTree>
+    <p:extLst>
+      <p:ext uri="{BB962C8B-B14F-4D97-AF65-F5344CB8AC3E}">
+        <p14:creationId xmlns:p14="http://schemas.microsoft.com/office/powerpoint/2010/main" val="251107082"/>
+      </p:ext>
+    </p:extLst>
+  </p:cSld>
+  <p:clrMapOvr>
+    <a:masterClrMapping/>
+  </p:clrMapOvr>
+</p:sld>
+</file>
+
+<file path=ppt/slides/slide7.xml><?xml version="1.0" encoding="utf-8"?>
 <p:sld xmlns:a="http://schemas.openxmlformats.org/drawingml/2006/main" xmlns:r="http://schemas.openxmlformats.org/officeDocument/2006/relationships" xmlns:p="http://schemas.openxmlformats.org/presentationml/2006/main">
   <p:cSld>
     <p:spTree>
@@ -7613,2019 +10172,7 @@
 </p:sld>
 </file>
 
-<file path=ppt/slides/slide18.xml><?xml version="1.0" encoding="utf-8"?>
-<p:sld xmlns:a="http://schemas.openxmlformats.org/drawingml/2006/main" xmlns:r="http://schemas.openxmlformats.org/officeDocument/2006/relationships" xmlns:p="http://schemas.openxmlformats.org/presentationml/2006/main">
-  <p:cSld>
-    <p:spTree>
-      <p:nvGrpSpPr>
-        <p:cNvPr id="1" name=""/>
-        <p:cNvGrpSpPr/>
-        <p:nvPr/>
-      </p:nvGrpSpPr>
-      <p:grpSpPr>
-        <a:xfrm>
-          <a:off x="0" y="0"/>
-          <a:ext cx="0" cy="0"/>
-          <a:chOff x="0" y="0"/>
-          <a:chExt cx="0" cy="0"/>
-        </a:xfrm>
-      </p:grpSpPr>
-      <p:sp>
-        <p:nvSpPr>
-          <p:cNvPr id="2" name="标题 1">
-            <a:extLst>
-              <a:ext uri="{FF2B5EF4-FFF2-40B4-BE49-F238E27FC236}">
-                <a16:creationId xmlns:a16="http://schemas.microsoft.com/office/drawing/2014/main" id="{D178831B-0D84-A241-8479-C59ECEA53A84}"/>
-              </a:ext>
-            </a:extLst>
-          </p:cNvPr>
-          <p:cNvSpPr>
-            <a:spLocks noGrp="1"/>
-          </p:cNvSpPr>
-          <p:nvPr>
-            <p:ph type="ctrTitle"/>
-          </p:nvPr>
-        </p:nvSpPr>
-        <p:spPr>
-          <a:xfrm>
-            <a:off x="3719384" y="2187144"/>
-            <a:ext cx="2979952" cy="1321255"/>
-          </a:xfrm>
-        </p:spPr>
-        <p:txBody>
-          <a:bodyPr/>
-          <a:lstStyle/>
-          <a:p>
-            <a:r>
-              <a:rPr kumimoji="1" lang="en-US" altLang="zh-CN" dirty="0"/>
-              <a:t>Thanks</a:t>
-            </a:r>
-            <a:endParaRPr kumimoji="1" lang="zh-CN" altLang="en-US" dirty="0"/>
-          </a:p>
-        </p:txBody>
-      </p:sp>
-    </p:spTree>
-    <p:extLst>
-      <p:ext uri="{BB962C8B-B14F-4D97-AF65-F5344CB8AC3E}">
-        <p14:creationId xmlns:p14="http://schemas.microsoft.com/office/powerpoint/2010/main" val="1613346970"/>
-      </p:ext>
-    </p:extLst>
-  </p:cSld>
-  <p:clrMapOvr>
-    <a:masterClrMapping/>
-  </p:clrMapOvr>
-</p:sld>
-</file>
-
-<file path=ppt/slides/slide2.xml><?xml version="1.0" encoding="utf-8"?>
-<p:sld xmlns:a="http://schemas.openxmlformats.org/drawingml/2006/main" xmlns:r="http://schemas.openxmlformats.org/officeDocument/2006/relationships" xmlns:p="http://schemas.openxmlformats.org/presentationml/2006/main">
-  <p:cSld>
-    <p:spTree>
-      <p:nvGrpSpPr>
-        <p:cNvPr id="1" name=""/>
-        <p:cNvGrpSpPr/>
-        <p:nvPr/>
-      </p:nvGrpSpPr>
-      <p:grpSpPr>
-        <a:xfrm>
-          <a:off x="0" y="0"/>
-          <a:ext cx="0" cy="0"/>
-          <a:chOff x="0" y="0"/>
-          <a:chExt cx="0" cy="0"/>
-        </a:xfrm>
-      </p:grpSpPr>
-      <p:sp>
-        <p:nvSpPr>
-          <p:cNvPr id="2" name="标题 1">
-            <a:extLst>
-              <a:ext uri="{FF2B5EF4-FFF2-40B4-BE49-F238E27FC236}">
-                <a16:creationId xmlns:a16="http://schemas.microsoft.com/office/drawing/2014/main" id="{A1A3F155-2C01-1B4C-AEF8-AE0B9128E96C}"/>
-              </a:ext>
-            </a:extLst>
-          </p:cNvPr>
-          <p:cNvSpPr>
-            <a:spLocks noGrp="1"/>
-          </p:cNvSpPr>
-          <p:nvPr>
-            <p:ph type="title"/>
-          </p:nvPr>
-        </p:nvSpPr>
-        <p:spPr/>
-        <p:txBody>
-          <a:bodyPr/>
-          <a:lstStyle/>
-          <a:p>
-            <a:r>
-              <a:rPr kumimoji="1" lang="en" altLang="zh-CN" dirty="0"/>
-              <a:t>Error handling</a:t>
-            </a:r>
-            <a:endParaRPr kumimoji="1" lang="zh-CN" altLang="en-US" dirty="0"/>
-          </a:p>
-        </p:txBody>
-      </p:sp>
-      <p:sp>
-        <p:nvSpPr>
-          <p:cNvPr id="3" name="内容占位符 2">
-            <a:extLst>
-              <a:ext uri="{FF2B5EF4-FFF2-40B4-BE49-F238E27FC236}">
-                <a16:creationId xmlns:a16="http://schemas.microsoft.com/office/drawing/2014/main" id="{30F55CF3-CD2A-314B-BFD0-F7B21BA970BC}"/>
-              </a:ext>
-            </a:extLst>
-          </p:cNvPr>
-          <p:cNvSpPr>
-            <a:spLocks noGrp="1"/>
-          </p:cNvSpPr>
-          <p:nvPr>
-            <p:ph idx="1"/>
-          </p:nvPr>
-        </p:nvSpPr>
-        <p:spPr/>
-        <p:txBody>
-          <a:bodyPr/>
-          <a:lstStyle/>
-          <a:p>
-            <a:r>
-              <a:rPr lang="en" altLang="zh-CN" dirty="0" err="1"/>
-              <a:t>ngx_error</a:t>
-            </a:r>
-            <a:endParaRPr kumimoji="1" lang="zh-CN" altLang="en-US" dirty="0"/>
-          </a:p>
-        </p:txBody>
-      </p:sp>
-      <p:pic>
-        <p:nvPicPr>
-          <p:cNvPr id="4" name="图片 3">
-            <a:extLst>
-              <a:ext uri="{FF2B5EF4-FFF2-40B4-BE49-F238E27FC236}">
-                <a16:creationId xmlns:a16="http://schemas.microsoft.com/office/drawing/2014/main" id="{CA13ED91-CD0B-4D42-8165-B5725B4482A3}"/>
-              </a:ext>
-            </a:extLst>
-          </p:cNvPr>
-          <p:cNvPicPr>
-            <a:picLocks noChangeAspect="1"/>
-          </p:cNvPicPr>
-          <p:nvPr/>
-        </p:nvPicPr>
-        <p:blipFill>
-          <a:blip r:embed="rId2"/>
-          <a:stretch>
-            <a:fillRect/>
-          </a:stretch>
-        </p:blipFill>
-        <p:spPr>
-          <a:xfrm>
-            <a:off x="3330778" y="2314822"/>
-            <a:ext cx="7365726" cy="3303621"/>
-          </a:xfrm>
-          <a:prstGeom prst="rect">
-            <a:avLst/>
-          </a:prstGeom>
-        </p:spPr>
-      </p:pic>
-    </p:spTree>
-    <p:extLst>
-      <p:ext uri="{BB962C8B-B14F-4D97-AF65-F5344CB8AC3E}">
-        <p14:creationId xmlns:p14="http://schemas.microsoft.com/office/powerpoint/2010/main" val="1860170840"/>
-      </p:ext>
-    </p:extLst>
-  </p:cSld>
-  <p:clrMapOvr>
-    <a:masterClrMapping/>
-  </p:clrMapOvr>
-</p:sld>
-</file>
-
-<file path=ppt/slides/slide3.xml><?xml version="1.0" encoding="utf-8"?>
-<p:sld xmlns:a="http://schemas.openxmlformats.org/drawingml/2006/main" xmlns:r="http://schemas.openxmlformats.org/officeDocument/2006/relationships" xmlns:p="http://schemas.openxmlformats.org/presentationml/2006/main">
-  <p:cSld>
-    <p:spTree>
-      <p:nvGrpSpPr>
-        <p:cNvPr id="1" name=""/>
-        <p:cNvGrpSpPr/>
-        <p:nvPr/>
-      </p:nvGrpSpPr>
-      <p:grpSpPr>
-        <a:xfrm>
-          <a:off x="0" y="0"/>
-          <a:ext cx="0" cy="0"/>
-          <a:chOff x="0" y="0"/>
-          <a:chExt cx="0" cy="0"/>
-        </a:xfrm>
-      </p:grpSpPr>
-      <p:sp>
-        <p:nvSpPr>
-          <p:cNvPr id="2" name="标题 1">
-            <a:extLst>
-              <a:ext uri="{FF2B5EF4-FFF2-40B4-BE49-F238E27FC236}">
-                <a16:creationId xmlns:a16="http://schemas.microsoft.com/office/drawing/2014/main" id="{8CCF03D6-BB49-1648-A533-657569E2C6EF}"/>
-              </a:ext>
-            </a:extLst>
-          </p:cNvPr>
-          <p:cNvSpPr>
-            <a:spLocks noGrp="1"/>
-          </p:cNvSpPr>
-          <p:nvPr>
-            <p:ph type="title"/>
-          </p:nvPr>
-        </p:nvSpPr>
-        <p:spPr/>
-        <p:txBody>
-          <a:bodyPr/>
-          <a:lstStyle/>
-          <a:p>
-            <a:r>
-              <a:rPr lang="en" altLang="zh-CN" b="1" dirty="0"/>
-              <a:t>Strings</a:t>
-            </a:r>
-            <a:endParaRPr kumimoji="1" lang="zh-CN" altLang="en-US" dirty="0"/>
-          </a:p>
-        </p:txBody>
-      </p:sp>
-      <p:pic>
-        <p:nvPicPr>
-          <p:cNvPr id="4" name="内容占位符 3">
-            <a:extLst>
-              <a:ext uri="{FF2B5EF4-FFF2-40B4-BE49-F238E27FC236}">
-                <a16:creationId xmlns:a16="http://schemas.microsoft.com/office/drawing/2014/main" id="{B62D2C0B-CAAE-094C-B2B5-30179C429921}"/>
-              </a:ext>
-            </a:extLst>
-          </p:cNvPr>
-          <p:cNvPicPr>
-            <a:picLocks noGrp="1" noChangeAspect="1"/>
-          </p:cNvPicPr>
-          <p:nvPr>
-            <p:ph idx="1"/>
-          </p:nvPr>
-        </p:nvPicPr>
-        <p:blipFill>
-          <a:blip r:embed="rId2"/>
-          <a:stretch>
-            <a:fillRect/>
-          </a:stretch>
-        </p:blipFill>
-        <p:spPr>
-          <a:xfrm>
-            <a:off x="685801" y="2199178"/>
-            <a:ext cx="2451100" cy="1219200"/>
-          </a:xfrm>
-          <a:prstGeom prst="rect">
-            <a:avLst/>
-          </a:prstGeom>
-        </p:spPr>
-      </p:pic>
-      <p:pic>
-        <p:nvPicPr>
-          <p:cNvPr id="5" name="图片 4">
-            <a:extLst>
-              <a:ext uri="{FF2B5EF4-FFF2-40B4-BE49-F238E27FC236}">
-                <a16:creationId xmlns:a16="http://schemas.microsoft.com/office/drawing/2014/main" id="{C1CF168C-92DD-EE48-A955-1415211AD488}"/>
-              </a:ext>
-            </a:extLst>
-          </p:cNvPr>
-          <p:cNvPicPr>
-            <a:picLocks noChangeAspect="1"/>
-          </p:cNvPicPr>
-          <p:nvPr/>
-        </p:nvPicPr>
-        <p:blipFill>
-          <a:blip r:embed="rId3"/>
-          <a:stretch>
-            <a:fillRect/>
-          </a:stretch>
-        </p:blipFill>
-        <p:spPr>
-          <a:xfrm>
-            <a:off x="3511955" y="1418128"/>
-            <a:ext cx="3378200" cy="4000500"/>
-          </a:xfrm>
-          <a:prstGeom prst="rect">
-            <a:avLst/>
-          </a:prstGeom>
-        </p:spPr>
-      </p:pic>
-      <p:pic>
-        <p:nvPicPr>
-          <p:cNvPr id="6" name="图片 5">
-            <a:extLst>
-              <a:ext uri="{FF2B5EF4-FFF2-40B4-BE49-F238E27FC236}">
-                <a16:creationId xmlns:a16="http://schemas.microsoft.com/office/drawing/2014/main" id="{15EE8AAB-A1C0-8347-83F4-9E7D9DB6D1CE}"/>
-              </a:ext>
-            </a:extLst>
-          </p:cNvPr>
-          <p:cNvPicPr>
-            <a:picLocks noChangeAspect="1"/>
-          </p:cNvPicPr>
-          <p:nvPr/>
-        </p:nvPicPr>
-        <p:blipFill>
-          <a:blip r:embed="rId4"/>
-          <a:stretch>
-            <a:fillRect/>
-          </a:stretch>
-        </p:blipFill>
-        <p:spPr>
-          <a:xfrm>
-            <a:off x="7617703" y="1418128"/>
-            <a:ext cx="2832100" cy="1701800"/>
-          </a:xfrm>
-          <a:prstGeom prst="rect">
-            <a:avLst/>
-          </a:prstGeom>
-        </p:spPr>
-      </p:pic>
-      <p:pic>
-        <p:nvPicPr>
-          <p:cNvPr id="7" name="图片 6">
-            <a:extLst>
-              <a:ext uri="{FF2B5EF4-FFF2-40B4-BE49-F238E27FC236}">
-                <a16:creationId xmlns:a16="http://schemas.microsoft.com/office/drawing/2014/main" id="{F773256B-8055-874B-AD6C-AFF358F0A452}"/>
-              </a:ext>
-            </a:extLst>
-          </p:cNvPr>
-          <p:cNvPicPr>
-            <a:picLocks noChangeAspect="1"/>
-          </p:cNvPicPr>
-          <p:nvPr/>
-        </p:nvPicPr>
-        <p:blipFill>
-          <a:blip r:embed="rId5"/>
-          <a:stretch>
-            <a:fillRect/>
-          </a:stretch>
-        </p:blipFill>
-        <p:spPr>
-          <a:xfrm>
-            <a:off x="7617703" y="3465498"/>
-            <a:ext cx="3044496" cy="2458647"/>
-          </a:xfrm>
-          <a:prstGeom prst="rect">
-            <a:avLst/>
-          </a:prstGeom>
-        </p:spPr>
-      </p:pic>
-      <p:pic>
-        <p:nvPicPr>
-          <p:cNvPr id="8" name="图片 7">
-            <a:extLst>
-              <a:ext uri="{FF2B5EF4-FFF2-40B4-BE49-F238E27FC236}">
-                <a16:creationId xmlns:a16="http://schemas.microsoft.com/office/drawing/2014/main" id="{F415F784-FC71-3840-AFE8-4EFA0E73FC74}"/>
-              </a:ext>
-            </a:extLst>
-          </p:cNvPr>
-          <p:cNvPicPr>
-            <a:picLocks noChangeAspect="1"/>
-          </p:cNvPicPr>
-          <p:nvPr/>
-        </p:nvPicPr>
-        <p:blipFill>
-          <a:blip r:embed="rId6"/>
-          <a:stretch>
-            <a:fillRect/>
-          </a:stretch>
-        </p:blipFill>
-        <p:spPr>
-          <a:xfrm>
-            <a:off x="813755" y="3980994"/>
-            <a:ext cx="2195192" cy="1943151"/>
-          </a:xfrm>
-          <a:prstGeom prst="rect">
-            <a:avLst/>
-          </a:prstGeom>
-        </p:spPr>
-      </p:pic>
-    </p:spTree>
-    <p:extLst>
-      <p:ext uri="{BB962C8B-B14F-4D97-AF65-F5344CB8AC3E}">
-        <p14:creationId xmlns:p14="http://schemas.microsoft.com/office/powerpoint/2010/main" val="2022927621"/>
-      </p:ext>
-    </p:extLst>
-  </p:cSld>
-  <p:clrMapOvr>
-    <a:masterClrMapping/>
-  </p:clrMapOvr>
-  <p:timing>
-    <p:tnLst>
-      <p:par>
-        <p:cTn id="1" dur="indefinite" restart="never" nodeType="tmRoot">
-          <p:childTnLst>
-            <p:seq concurrent="1" nextAc="seek">
-              <p:cTn id="2" dur="indefinite" nodeType="mainSeq">
-                <p:childTnLst>
-                  <p:par>
-                    <p:cTn id="3" fill="hold">
-                      <p:stCondLst>
-                        <p:cond delay="indefinite"/>
-                      </p:stCondLst>
-                      <p:childTnLst>
-                        <p:par>
-                          <p:cTn id="4" fill="hold">
-                            <p:stCondLst>
-                              <p:cond delay="0"/>
-                            </p:stCondLst>
-                            <p:childTnLst>
-                              <p:par>
-                                <p:cTn id="5" presetID="3" presetClass="entr" presetSubtype="10" fill="hold" nodeType="clickEffect">
-                                  <p:stCondLst>
-                                    <p:cond delay="0"/>
-                                  </p:stCondLst>
-                                  <p:childTnLst>
-                                    <p:set>
-                                      <p:cBhvr>
-                                        <p:cTn id="6" dur="1" fill="hold">
-                                          <p:stCondLst>
-                                            <p:cond delay="0"/>
-                                          </p:stCondLst>
-                                        </p:cTn>
-                                        <p:tgtEl>
-                                          <p:spTgt spid="8"/>
-                                        </p:tgtEl>
-                                        <p:attrNameLst>
-                                          <p:attrName>style.visibility</p:attrName>
-                                        </p:attrNameLst>
-                                      </p:cBhvr>
-                                      <p:to>
-                                        <p:strVal val="visible"/>
-                                      </p:to>
-                                    </p:set>
-                                    <p:animEffect transition="in" filter="blinds(horizontal)">
-                                      <p:cBhvr>
-                                        <p:cTn id="7" dur="500"/>
-                                        <p:tgtEl>
-                                          <p:spTgt spid="8"/>
-                                        </p:tgtEl>
-                                      </p:cBhvr>
-                                    </p:animEffect>
-                                  </p:childTnLst>
-                                </p:cTn>
-                              </p:par>
-                              <p:par>
-                                <p:cTn id="8" presetID="3" presetClass="entr" presetSubtype="10" fill="hold" nodeType="withEffect">
-                                  <p:stCondLst>
-                                    <p:cond delay="0"/>
-                                  </p:stCondLst>
-                                  <p:childTnLst>
-                                    <p:set>
-                                      <p:cBhvr>
-                                        <p:cTn id="9" dur="1" fill="hold">
-                                          <p:stCondLst>
-                                            <p:cond delay="0"/>
-                                          </p:stCondLst>
-                                        </p:cTn>
-                                        <p:tgtEl>
-                                          <p:spTgt spid="5"/>
-                                        </p:tgtEl>
-                                        <p:attrNameLst>
-                                          <p:attrName>style.visibility</p:attrName>
-                                        </p:attrNameLst>
-                                      </p:cBhvr>
-                                      <p:to>
-                                        <p:strVal val="visible"/>
-                                      </p:to>
-                                    </p:set>
-                                    <p:animEffect transition="in" filter="blinds(horizontal)">
-                                      <p:cBhvr>
-                                        <p:cTn id="10" dur="500"/>
-                                        <p:tgtEl>
-                                          <p:spTgt spid="5"/>
-                                        </p:tgtEl>
-                                      </p:cBhvr>
-                                    </p:animEffect>
-                                  </p:childTnLst>
-                                </p:cTn>
-                              </p:par>
-                              <p:par>
-                                <p:cTn id="11" presetID="3" presetClass="entr" presetSubtype="10" fill="hold" nodeType="withEffect">
-                                  <p:stCondLst>
-                                    <p:cond delay="0"/>
-                                  </p:stCondLst>
-                                  <p:childTnLst>
-                                    <p:set>
-                                      <p:cBhvr>
-                                        <p:cTn id="12" dur="1" fill="hold">
-                                          <p:stCondLst>
-                                            <p:cond delay="0"/>
-                                          </p:stCondLst>
-                                        </p:cTn>
-                                        <p:tgtEl>
-                                          <p:spTgt spid="6"/>
-                                        </p:tgtEl>
-                                        <p:attrNameLst>
-                                          <p:attrName>style.visibility</p:attrName>
-                                        </p:attrNameLst>
-                                      </p:cBhvr>
-                                      <p:to>
-                                        <p:strVal val="visible"/>
-                                      </p:to>
-                                    </p:set>
-                                    <p:animEffect transition="in" filter="blinds(horizontal)">
-                                      <p:cBhvr>
-                                        <p:cTn id="13" dur="500"/>
-                                        <p:tgtEl>
-                                          <p:spTgt spid="6"/>
-                                        </p:tgtEl>
-                                      </p:cBhvr>
-                                    </p:animEffect>
-                                  </p:childTnLst>
-                                </p:cTn>
-                              </p:par>
-                              <p:par>
-                                <p:cTn id="14" presetID="3" presetClass="entr" presetSubtype="10" fill="hold" nodeType="withEffect">
-                                  <p:stCondLst>
-                                    <p:cond delay="0"/>
-                                  </p:stCondLst>
-                                  <p:childTnLst>
-                                    <p:set>
-                                      <p:cBhvr>
-                                        <p:cTn id="15" dur="1" fill="hold">
-                                          <p:stCondLst>
-                                            <p:cond delay="0"/>
-                                          </p:stCondLst>
-                                        </p:cTn>
-                                        <p:tgtEl>
-                                          <p:spTgt spid="7"/>
-                                        </p:tgtEl>
-                                        <p:attrNameLst>
-                                          <p:attrName>style.visibility</p:attrName>
-                                        </p:attrNameLst>
-                                      </p:cBhvr>
-                                      <p:to>
-                                        <p:strVal val="visible"/>
-                                      </p:to>
-                                    </p:set>
-                                    <p:animEffect transition="in" filter="blinds(horizontal)">
-                                      <p:cBhvr>
-                                        <p:cTn id="16" dur="500"/>
-                                        <p:tgtEl>
-                                          <p:spTgt spid="7"/>
-                                        </p:tgtEl>
-                                      </p:cBhvr>
-                                    </p:animEffect>
-                                  </p:childTnLst>
-                                </p:cTn>
-                              </p:par>
-                            </p:childTnLst>
-                          </p:cTn>
-                        </p:par>
-                      </p:childTnLst>
-                    </p:cTn>
-                  </p:par>
-                </p:childTnLst>
-              </p:cTn>
-              <p:prevCondLst>
-                <p:cond evt="onPrev" delay="0">
-                  <p:tgtEl>
-                    <p:sldTgt/>
-                  </p:tgtEl>
-                </p:cond>
-              </p:prevCondLst>
-              <p:nextCondLst>
-                <p:cond evt="onNext" delay="0">
-                  <p:tgtEl>
-                    <p:sldTgt/>
-                  </p:tgtEl>
-                </p:cond>
-              </p:nextCondLst>
-            </p:seq>
-          </p:childTnLst>
-        </p:cTn>
-      </p:par>
-    </p:tnLst>
-  </p:timing>
-</p:sld>
-</file>
-
-<file path=ppt/slides/slide4.xml><?xml version="1.0" encoding="utf-8"?>
-<p:sld xmlns:a="http://schemas.openxmlformats.org/drawingml/2006/main" xmlns:r="http://schemas.openxmlformats.org/officeDocument/2006/relationships" xmlns:p="http://schemas.openxmlformats.org/presentationml/2006/main">
-  <p:cSld>
-    <p:spTree>
-      <p:nvGrpSpPr>
-        <p:cNvPr id="1" name=""/>
-        <p:cNvGrpSpPr/>
-        <p:nvPr/>
-      </p:nvGrpSpPr>
-      <p:grpSpPr>
-        <a:xfrm>
-          <a:off x="0" y="0"/>
-          <a:ext cx="0" cy="0"/>
-          <a:chOff x="0" y="0"/>
-          <a:chExt cx="0" cy="0"/>
-        </a:xfrm>
-      </p:grpSpPr>
-      <p:sp>
-        <p:nvSpPr>
-          <p:cNvPr id="2" name="标题 1">
-            <a:extLst>
-              <a:ext uri="{FF2B5EF4-FFF2-40B4-BE49-F238E27FC236}">
-                <a16:creationId xmlns:a16="http://schemas.microsoft.com/office/drawing/2014/main" id="{CCFBF98A-AD27-EE4A-8B58-921E6BAE51E6}"/>
-              </a:ext>
-            </a:extLst>
-          </p:cNvPr>
-          <p:cNvSpPr>
-            <a:spLocks noGrp="1"/>
-          </p:cNvSpPr>
-          <p:nvPr>
-            <p:ph type="title"/>
-          </p:nvPr>
-        </p:nvSpPr>
-        <p:spPr/>
-        <p:txBody>
-          <a:bodyPr/>
-          <a:lstStyle/>
-          <a:p>
-            <a:r>
-              <a:rPr lang="en" altLang="zh-CN" b="1" dirty="0"/>
-              <a:t>Time</a:t>
-            </a:r>
-            <a:endParaRPr kumimoji="1" lang="zh-CN" altLang="en-US" dirty="0"/>
-          </a:p>
-        </p:txBody>
-      </p:sp>
-      <p:pic>
-        <p:nvPicPr>
-          <p:cNvPr id="4" name="内容占位符 3">
-            <a:extLst>
-              <a:ext uri="{FF2B5EF4-FFF2-40B4-BE49-F238E27FC236}">
-                <a16:creationId xmlns:a16="http://schemas.microsoft.com/office/drawing/2014/main" id="{67150106-2299-1C40-8087-06D22058E712}"/>
-              </a:ext>
-            </a:extLst>
-          </p:cNvPr>
-          <p:cNvPicPr>
-            <a:picLocks noGrp="1" noChangeAspect="1"/>
-          </p:cNvPicPr>
-          <p:nvPr>
-            <p:ph idx="1"/>
-          </p:nvPr>
-        </p:nvPicPr>
-        <p:blipFill>
-          <a:blip r:embed="rId2"/>
-          <a:stretch>
-            <a:fillRect/>
-          </a:stretch>
-        </p:blipFill>
-        <p:spPr>
-          <a:xfrm>
-            <a:off x="1480530" y="2516941"/>
-            <a:ext cx="2997200" cy="1498600"/>
-          </a:xfrm>
-          <a:prstGeom prst="rect">
-            <a:avLst/>
-          </a:prstGeom>
-        </p:spPr>
-      </p:pic>
-      <p:sp>
-        <p:nvSpPr>
-          <p:cNvPr id="5" name="内容占位符 2">
-            <a:extLst>
-              <a:ext uri="{FF2B5EF4-FFF2-40B4-BE49-F238E27FC236}">
-                <a16:creationId xmlns:a16="http://schemas.microsoft.com/office/drawing/2014/main" id="{B3433B16-6547-3D42-A923-4AC3F6A72F40}"/>
-              </a:ext>
-            </a:extLst>
-          </p:cNvPr>
-          <p:cNvSpPr txBox="1">
-            <a:spLocks/>
-          </p:cNvSpPr>
-          <p:nvPr/>
-        </p:nvSpPr>
-        <p:spPr>
-          <a:xfrm>
-            <a:off x="6011694" y="1931930"/>
-            <a:ext cx="4708187" cy="2668621"/>
-          </a:xfrm>
-          <a:prstGeom prst="rect">
-            <a:avLst/>
-          </a:prstGeom>
-        </p:spPr>
-        <p:txBody>
-          <a:bodyPr vert="horz" lIns="91440" tIns="45720" rIns="91440" bIns="45720" rtlCol="0" anchor="ctr">
-            <a:normAutofit/>
-          </a:bodyPr>
-          <a:lstStyle>
-            <a:lvl1pPr marL="285750" indent="-285750" algn="l" defTabSz="457200" rtl="0" eaLnBrk="1" latinLnBrk="0" hangingPunct="1">
-              <a:spcBef>
-                <a:spcPts val="0"/>
-              </a:spcBef>
-              <a:spcAft>
-                <a:spcPts val="1000"/>
-              </a:spcAft>
-              <a:buClr>
-                <a:schemeClr val="tx1"/>
-              </a:buClr>
-              <a:buSzPct val="100000"/>
-              <a:buFont typeface="Arial"/>
-              <a:buChar char="•"/>
-              <a:defRPr sz="1800" kern="1200" cap="none">
-                <a:solidFill>
-                  <a:schemeClr val="tx1"/>
-                </a:solidFill>
-                <a:effectLst/>
-                <a:latin typeface="+mn-lt"/>
-                <a:ea typeface="+mn-ea"/>
-                <a:cs typeface="+mn-cs"/>
-              </a:defRPr>
-            </a:lvl1pPr>
-            <a:lvl2pPr marL="742950" indent="-285750" algn="l" defTabSz="457200" rtl="0" eaLnBrk="1" latinLnBrk="0" hangingPunct="1">
-              <a:spcBef>
-                <a:spcPts val="0"/>
-              </a:spcBef>
-              <a:spcAft>
-                <a:spcPts val="1000"/>
-              </a:spcAft>
-              <a:buClr>
-                <a:schemeClr val="tx1"/>
-              </a:buClr>
-              <a:buSzPct val="100000"/>
-              <a:buFont typeface="Arial"/>
-              <a:buChar char="•"/>
-              <a:defRPr sz="1600" kern="1200" cap="none">
-                <a:solidFill>
-                  <a:schemeClr val="tx1"/>
-                </a:solidFill>
-                <a:effectLst/>
-                <a:latin typeface="+mn-lt"/>
-                <a:ea typeface="+mn-ea"/>
-                <a:cs typeface="+mn-cs"/>
-              </a:defRPr>
-            </a:lvl2pPr>
-            <a:lvl3pPr marL="1200150" indent="-285750" algn="l" defTabSz="457200" rtl="0" eaLnBrk="1" latinLnBrk="0" hangingPunct="1">
-              <a:spcBef>
-                <a:spcPts val="0"/>
-              </a:spcBef>
-              <a:spcAft>
-                <a:spcPts val="1000"/>
-              </a:spcAft>
-              <a:buClr>
-                <a:schemeClr val="tx1"/>
-              </a:buClr>
-              <a:buSzPct val="100000"/>
-              <a:buFont typeface="Arial"/>
-              <a:buChar char="•"/>
-              <a:defRPr sz="1400" kern="1200" cap="none">
-                <a:solidFill>
-                  <a:schemeClr val="tx1"/>
-                </a:solidFill>
-                <a:effectLst/>
-                <a:latin typeface="+mn-lt"/>
-                <a:ea typeface="+mn-ea"/>
-                <a:cs typeface="+mn-cs"/>
-              </a:defRPr>
-            </a:lvl3pPr>
-            <a:lvl4pPr marL="1543050" indent="-171450" algn="l" defTabSz="457200" rtl="0" eaLnBrk="1" latinLnBrk="0" hangingPunct="1">
-              <a:spcBef>
-                <a:spcPts val="0"/>
-              </a:spcBef>
-              <a:spcAft>
-                <a:spcPts val="1000"/>
-              </a:spcAft>
-              <a:buClr>
-                <a:schemeClr val="tx1"/>
-              </a:buClr>
-              <a:buSzPct val="100000"/>
-              <a:buFont typeface="Arial"/>
-              <a:buChar char="•"/>
-              <a:defRPr sz="1200" kern="1200" cap="none">
-                <a:solidFill>
-                  <a:schemeClr val="tx1"/>
-                </a:solidFill>
-                <a:effectLst/>
-                <a:latin typeface="+mn-lt"/>
-                <a:ea typeface="+mn-ea"/>
-                <a:cs typeface="+mn-cs"/>
-              </a:defRPr>
-            </a:lvl4pPr>
-            <a:lvl5pPr marL="2000250" indent="-171450" algn="l" defTabSz="457200" rtl="0" eaLnBrk="1" latinLnBrk="0" hangingPunct="1">
-              <a:spcBef>
-                <a:spcPts val="0"/>
-              </a:spcBef>
-              <a:spcAft>
-                <a:spcPts val="1000"/>
-              </a:spcAft>
-              <a:buClr>
-                <a:schemeClr val="tx1"/>
-              </a:buClr>
-              <a:buSzPct val="100000"/>
-              <a:buFont typeface="Arial"/>
-              <a:buChar char="•"/>
-              <a:defRPr sz="1200" kern="1200" cap="none">
-                <a:solidFill>
-                  <a:schemeClr val="tx1"/>
-                </a:solidFill>
-                <a:effectLst/>
-                <a:latin typeface="+mn-lt"/>
-                <a:ea typeface="+mn-ea"/>
-                <a:cs typeface="+mn-cs"/>
-              </a:defRPr>
-            </a:lvl5pPr>
-            <a:lvl6pPr marL="2514600" indent="-228600" algn="l" defTabSz="457200" rtl="0" eaLnBrk="1" latinLnBrk="0" hangingPunct="1">
-              <a:spcBef>
-                <a:spcPts val="0"/>
-              </a:spcBef>
-              <a:spcAft>
-                <a:spcPts val="1000"/>
-              </a:spcAft>
-              <a:buClr>
-                <a:schemeClr val="tx1"/>
-              </a:buClr>
-              <a:buSzPct val="100000"/>
-              <a:buFont typeface="Arial"/>
-              <a:buChar char="•"/>
-              <a:defRPr sz="1200" kern="1200" cap="none">
-                <a:solidFill>
-                  <a:schemeClr val="tx1"/>
-                </a:solidFill>
-                <a:effectLst/>
-                <a:latin typeface="+mn-lt"/>
-                <a:ea typeface="+mn-ea"/>
-                <a:cs typeface="+mn-cs"/>
-              </a:defRPr>
-            </a:lvl6pPr>
-            <a:lvl7pPr marL="2971800" indent="-228600" algn="l" defTabSz="457200" rtl="0" eaLnBrk="1" latinLnBrk="0" hangingPunct="1">
-              <a:spcBef>
-                <a:spcPts val="0"/>
-              </a:spcBef>
-              <a:spcAft>
-                <a:spcPts val="1000"/>
-              </a:spcAft>
-              <a:buClr>
-                <a:schemeClr val="tx1"/>
-              </a:buClr>
-              <a:buSzPct val="100000"/>
-              <a:buFont typeface="Arial"/>
-              <a:buChar char="•"/>
-              <a:defRPr sz="1200" kern="1200" cap="none">
-                <a:solidFill>
-                  <a:schemeClr val="tx1"/>
-                </a:solidFill>
-                <a:effectLst/>
-                <a:latin typeface="+mn-lt"/>
-                <a:ea typeface="+mn-ea"/>
-                <a:cs typeface="+mn-cs"/>
-              </a:defRPr>
-            </a:lvl7pPr>
-            <a:lvl8pPr marL="3429000" indent="-228600" algn="l" defTabSz="457200" rtl="0" eaLnBrk="1" latinLnBrk="0" hangingPunct="1">
-              <a:spcBef>
-                <a:spcPts val="0"/>
-              </a:spcBef>
-              <a:spcAft>
-                <a:spcPts val="1000"/>
-              </a:spcAft>
-              <a:buClr>
-                <a:schemeClr val="tx1"/>
-              </a:buClr>
-              <a:buSzPct val="100000"/>
-              <a:buFont typeface="Arial"/>
-              <a:buChar char="•"/>
-              <a:defRPr sz="1200" kern="1200" cap="none">
-                <a:solidFill>
-                  <a:schemeClr val="tx1"/>
-                </a:solidFill>
-                <a:effectLst/>
-                <a:latin typeface="+mn-lt"/>
-                <a:ea typeface="+mn-ea"/>
-                <a:cs typeface="+mn-cs"/>
-              </a:defRPr>
-            </a:lvl8pPr>
-            <a:lvl9pPr marL="3886200" indent="-228600" algn="l" defTabSz="457200" rtl="0" eaLnBrk="1" latinLnBrk="0" hangingPunct="1">
-              <a:spcBef>
-                <a:spcPts val="0"/>
-              </a:spcBef>
-              <a:spcAft>
-                <a:spcPts val="1000"/>
-              </a:spcAft>
-              <a:buClr>
-                <a:schemeClr val="tx1"/>
-              </a:buClr>
-              <a:buSzPct val="100000"/>
-              <a:buFont typeface="Arial"/>
-              <a:buChar char="•"/>
-              <a:defRPr sz="1200" kern="1200" cap="none">
-                <a:solidFill>
-                  <a:schemeClr val="tx1"/>
-                </a:solidFill>
-                <a:effectLst/>
-                <a:latin typeface="+mn-lt"/>
-                <a:ea typeface="+mn-ea"/>
-                <a:cs typeface="+mn-cs"/>
-              </a:defRPr>
-            </a:lvl9pPr>
-          </a:lstStyle>
-          <a:p>
-            <a:r>
-              <a:rPr lang="zh-CN" altLang="en" sz="3200" b="1" dirty="0"/>
-              <a:t>如何</a:t>
-            </a:r>
-            <a:r>
-              <a:rPr lang="zh-CN" altLang="en-US" sz="3200" b="1" dirty="0"/>
-              <a:t>获取当前时间？</a:t>
-            </a:r>
-            <a:endParaRPr kumimoji="1" lang="zh-CN" altLang="en-US" b="1" dirty="0"/>
-          </a:p>
-        </p:txBody>
-      </p:sp>
-    </p:spTree>
-    <p:extLst>
-      <p:ext uri="{BB962C8B-B14F-4D97-AF65-F5344CB8AC3E}">
-        <p14:creationId xmlns:p14="http://schemas.microsoft.com/office/powerpoint/2010/main" val="923685072"/>
-      </p:ext>
-    </p:extLst>
-  </p:cSld>
-  <p:clrMapOvr>
-    <a:masterClrMapping/>
-  </p:clrMapOvr>
-  <p:timing>
-    <p:tnLst>
-      <p:par>
-        <p:cTn id="1" dur="indefinite" restart="never" nodeType="tmRoot">
-          <p:childTnLst>
-            <p:seq concurrent="1" nextAc="seek">
-              <p:cTn id="2" dur="indefinite" nodeType="mainSeq">
-                <p:childTnLst>
-                  <p:par>
-                    <p:cTn id="3" fill="hold">
-                      <p:stCondLst>
-                        <p:cond delay="indefinite"/>
-                      </p:stCondLst>
-                      <p:childTnLst>
-                        <p:par>
-                          <p:cTn id="4" fill="hold">
-                            <p:stCondLst>
-                              <p:cond delay="0"/>
-                            </p:stCondLst>
-                            <p:childTnLst>
-                              <p:par>
-                                <p:cTn id="5" presetID="16" presetClass="entr" presetSubtype="21" fill="hold" grpId="0" nodeType="clickEffect">
-                                  <p:stCondLst>
-                                    <p:cond delay="0"/>
-                                  </p:stCondLst>
-                                  <p:childTnLst>
-                                    <p:set>
-                                      <p:cBhvr>
-                                        <p:cTn id="6" dur="1" fill="hold">
-                                          <p:stCondLst>
-                                            <p:cond delay="0"/>
-                                          </p:stCondLst>
-                                        </p:cTn>
-                                        <p:tgtEl>
-                                          <p:spTgt spid="5"/>
-                                        </p:tgtEl>
-                                        <p:attrNameLst>
-                                          <p:attrName>style.visibility</p:attrName>
-                                        </p:attrNameLst>
-                                      </p:cBhvr>
-                                      <p:to>
-                                        <p:strVal val="visible"/>
-                                      </p:to>
-                                    </p:set>
-                                    <p:animEffect transition="in" filter="barn(inVertical)">
-                                      <p:cBhvr>
-                                        <p:cTn id="7" dur="500"/>
-                                        <p:tgtEl>
-                                          <p:spTgt spid="5"/>
-                                        </p:tgtEl>
-                                      </p:cBhvr>
-                                    </p:animEffect>
-                                  </p:childTnLst>
-                                </p:cTn>
-                              </p:par>
-                            </p:childTnLst>
-                          </p:cTn>
-                        </p:par>
-                      </p:childTnLst>
-                    </p:cTn>
-                  </p:par>
-                </p:childTnLst>
-              </p:cTn>
-              <p:prevCondLst>
-                <p:cond evt="onPrev" delay="0">
-                  <p:tgtEl>
-                    <p:sldTgt/>
-                  </p:tgtEl>
-                </p:cond>
-              </p:prevCondLst>
-              <p:nextCondLst>
-                <p:cond evt="onNext" delay="0">
-                  <p:tgtEl>
-                    <p:sldTgt/>
-                  </p:tgtEl>
-                </p:cond>
-              </p:nextCondLst>
-            </p:seq>
-          </p:childTnLst>
-        </p:cTn>
-      </p:par>
-    </p:tnLst>
-    <p:bldLst>
-      <p:bldP spid="5" grpId="0"/>
-    </p:bldLst>
-  </p:timing>
-</p:sld>
-</file>
-
-<file path=ppt/slides/slide5.xml><?xml version="1.0" encoding="utf-8"?>
-<p:sld xmlns:a="http://schemas.openxmlformats.org/drawingml/2006/main" xmlns:r="http://schemas.openxmlformats.org/officeDocument/2006/relationships" xmlns:p="http://schemas.openxmlformats.org/presentationml/2006/main">
-  <p:cSld>
-    <p:spTree>
-      <p:nvGrpSpPr>
-        <p:cNvPr id="1" name=""/>
-        <p:cNvGrpSpPr/>
-        <p:nvPr/>
-      </p:nvGrpSpPr>
-      <p:grpSpPr>
-        <a:xfrm>
-          <a:off x="0" y="0"/>
-          <a:ext cx="0" cy="0"/>
-          <a:chOff x="0" y="0"/>
-          <a:chExt cx="0" cy="0"/>
-        </a:xfrm>
-      </p:grpSpPr>
-      <p:sp>
-        <p:nvSpPr>
-          <p:cNvPr id="2" name="标题 1">
-            <a:extLst>
-              <a:ext uri="{FF2B5EF4-FFF2-40B4-BE49-F238E27FC236}">
-                <a16:creationId xmlns:a16="http://schemas.microsoft.com/office/drawing/2014/main" id="{CCFBF98A-AD27-EE4A-8B58-921E6BAE51E6}"/>
-              </a:ext>
-            </a:extLst>
-          </p:cNvPr>
-          <p:cNvSpPr>
-            <a:spLocks noGrp="1"/>
-          </p:cNvSpPr>
-          <p:nvPr>
-            <p:ph type="title"/>
-          </p:nvPr>
-        </p:nvSpPr>
-        <p:spPr/>
-        <p:txBody>
-          <a:bodyPr/>
-          <a:lstStyle/>
-          <a:p>
-            <a:r>
-              <a:rPr lang="en" altLang="zh-CN" b="1" dirty="0"/>
-              <a:t>Time</a:t>
-            </a:r>
-            <a:r>
-              <a:rPr lang="zh-CN" altLang="en-US" b="1" dirty="0"/>
-              <a:t> </a:t>
-            </a:r>
-            <a:r>
-              <a:rPr lang="en-US" altLang="zh-CN" b="1" dirty="0"/>
-              <a:t>–</a:t>
-            </a:r>
-            <a:r>
-              <a:rPr lang="zh-CN" altLang="en-US" b="1" dirty="0"/>
-              <a:t> 如何获取当前时间</a:t>
-            </a:r>
-            <a:endParaRPr kumimoji="1" lang="zh-CN" altLang="en-US" dirty="0"/>
-          </a:p>
-        </p:txBody>
-      </p:sp>
-      <p:sp>
-        <p:nvSpPr>
-          <p:cNvPr id="8" name="内容占位符 2">
-            <a:extLst>
-              <a:ext uri="{FF2B5EF4-FFF2-40B4-BE49-F238E27FC236}">
-                <a16:creationId xmlns:a16="http://schemas.microsoft.com/office/drawing/2014/main" id="{96E27138-0AB8-3940-B7FA-69F3721A7975}"/>
-              </a:ext>
-            </a:extLst>
-          </p:cNvPr>
-          <p:cNvSpPr>
-            <a:spLocks noGrp="1"/>
-          </p:cNvSpPr>
-          <p:nvPr>
-            <p:ph idx="1"/>
-          </p:nvPr>
-        </p:nvSpPr>
-        <p:spPr>
-          <a:xfrm>
-            <a:off x="685801" y="2142067"/>
-            <a:ext cx="3293075" cy="3649133"/>
-          </a:xfrm>
-        </p:spPr>
-        <p:txBody>
-          <a:bodyPr/>
-          <a:lstStyle/>
-          <a:p>
-            <a:r>
-              <a:rPr lang="en" altLang="zh-CN" sz="2000" b="1" dirty="0" err="1"/>
-              <a:t>ngx_time</a:t>
-            </a:r>
-            <a:r>
-              <a:rPr lang="en-US" altLang="zh-CN" sz="2000" b="1" dirty="0"/>
-              <a:t>()</a:t>
-            </a:r>
-          </a:p>
-          <a:p>
-            <a:r>
-              <a:rPr kumimoji="1" lang="en-US" altLang="zh-CN" sz="2000" b="1" dirty="0" err="1"/>
-              <a:t>ngx_timeofday</a:t>
-            </a:r>
-            <a:r>
-              <a:rPr kumimoji="1" lang="en-US" altLang="zh-CN" sz="2000" b="1" dirty="0"/>
-              <a:t>()</a:t>
-            </a:r>
-          </a:p>
-          <a:p>
-            <a:endParaRPr kumimoji="1" lang="en-US" altLang="zh-CN" sz="2000" b="1" dirty="0"/>
-          </a:p>
-          <a:p>
-            <a:r>
-              <a:rPr kumimoji="1" lang="en-US" altLang="zh-CN" sz="2000" b="1" dirty="0" err="1"/>
-              <a:t>ngx_cached_time</a:t>
-            </a:r>
-            <a:endParaRPr kumimoji="1" lang="en-US" altLang="zh-CN" sz="2000" b="1" dirty="0"/>
-          </a:p>
-          <a:p>
-            <a:endParaRPr kumimoji="1" lang="en-US" altLang="zh-CN" sz="2000" b="1" dirty="0"/>
-          </a:p>
-          <a:p>
-            <a:r>
-              <a:rPr kumimoji="1" lang="en" altLang="zh-CN" b="1" dirty="0" err="1"/>
-              <a:t>ngx_time_update</a:t>
-            </a:r>
-            <a:r>
-              <a:rPr kumimoji="1" lang="en" altLang="zh-CN" b="1" dirty="0"/>
-              <a:t>()</a:t>
-            </a:r>
-            <a:endParaRPr kumimoji="1" lang="zh-CN" altLang="en-US" b="1" dirty="0"/>
-          </a:p>
-        </p:txBody>
-      </p:sp>
-      <p:sp>
-        <p:nvSpPr>
-          <p:cNvPr id="9" name="内容占位符 2">
-            <a:extLst>
-              <a:ext uri="{FF2B5EF4-FFF2-40B4-BE49-F238E27FC236}">
-                <a16:creationId xmlns:a16="http://schemas.microsoft.com/office/drawing/2014/main" id="{62F4DBB6-3CF2-5441-896B-05C77959DD9F}"/>
-              </a:ext>
-            </a:extLst>
-          </p:cNvPr>
-          <p:cNvSpPr txBox="1">
-            <a:spLocks/>
-          </p:cNvSpPr>
-          <p:nvPr/>
-        </p:nvSpPr>
-        <p:spPr>
-          <a:xfrm>
-            <a:off x="5751513" y="2142067"/>
-            <a:ext cx="4838228" cy="3331976"/>
-          </a:xfrm>
-          <a:prstGeom prst="rect">
-            <a:avLst/>
-          </a:prstGeom>
-        </p:spPr>
-        <p:txBody>
-          <a:bodyPr vert="horz" lIns="91440" tIns="45720" rIns="91440" bIns="45720" rtlCol="0" anchor="ctr">
-            <a:normAutofit/>
-          </a:bodyPr>
-          <a:lstStyle>
-            <a:lvl1pPr marL="285750" indent="-285750" algn="l" defTabSz="457200" rtl="0" eaLnBrk="1" latinLnBrk="0" hangingPunct="1">
-              <a:spcBef>
-                <a:spcPts val="0"/>
-              </a:spcBef>
-              <a:spcAft>
-                <a:spcPts val="1000"/>
-              </a:spcAft>
-              <a:buClr>
-                <a:schemeClr val="tx1"/>
-              </a:buClr>
-              <a:buSzPct val="100000"/>
-              <a:buFont typeface="Arial"/>
-              <a:buChar char="•"/>
-              <a:defRPr sz="1800" kern="1200" cap="none">
-                <a:solidFill>
-                  <a:schemeClr val="tx1"/>
-                </a:solidFill>
-                <a:effectLst/>
-                <a:latin typeface="+mn-lt"/>
-                <a:ea typeface="+mn-ea"/>
-                <a:cs typeface="+mn-cs"/>
-              </a:defRPr>
-            </a:lvl1pPr>
-            <a:lvl2pPr marL="742950" indent="-285750" algn="l" defTabSz="457200" rtl="0" eaLnBrk="1" latinLnBrk="0" hangingPunct="1">
-              <a:spcBef>
-                <a:spcPts val="0"/>
-              </a:spcBef>
-              <a:spcAft>
-                <a:spcPts val="1000"/>
-              </a:spcAft>
-              <a:buClr>
-                <a:schemeClr val="tx1"/>
-              </a:buClr>
-              <a:buSzPct val="100000"/>
-              <a:buFont typeface="Arial"/>
-              <a:buChar char="•"/>
-              <a:defRPr sz="1600" kern="1200" cap="none">
-                <a:solidFill>
-                  <a:schemeClr val="tx1"/>
-                </a:solidFill>
-                <a:effectLst/>
-                <a:latin typeface="+mn-lt"/>
-                <a:ea typeface="+mn-ea"/>
-                <a:cs typeface="+mn-cs"/>
-              </a:defRPr>
-            </a:lvl2pPr>
-            <a:lvl3pPr marL="1200150" indent="-285750" algn="l" defTabSz="457200" rtl="0" eaLnBrk="1" latinLnBrk="0" hangingPunct="1">
-              <a:spcBef>
-                <a:spcPts val="0"/>
-              </a:spcBef>
-              <a:spcAft>
-                <a:spcPts val="1000"/>
-              </a:spcAft>
-              <a:buClr>
-                <a:schemeClr val="tx1"/>
-              </a:buClr>
-              <a:buSzPct val="100000"/>
-              <a:buFont typeface="Arial"/>
-              <a:buChar char="•"/>
-              <a:defRPr sz="1400" kern="1200" cap="none">
-                <a:solidFill>
-                  <a:schemeClr val="tx1"/>
-                </a:solidFill>
-                <a:effectLst/>
-                <a:latin typeface="+mn-lt"/>
-                <a:ea typeface="+mn-ea"/>
-                <a:cs typeface="+mn-cs"/>
-              </a:defRPr>
-            </a:lvl3pPr>
-            <a:lvl4pPr marL="1543050" indent="-171450" algn="l" defTabSz="457200" rtl="0" eaLnBrk="1" latinLnBrk="0" hangingPunct="1">
-              <a:spcBef>
-                <a:spcPts val="0"/>
-              </a:spcBef>
-              <a:spcAft>
-                <a:spcPts val="1000"/>
-              </a:spcAft>
-              <a:buClr>
-                <a:schemeClr val="tx1"/>
-              </a:buClr>
-              <a:buSzPct val="100000"/>
-              <a:buFont typeface="Arial"/>
-              <a:buChar char="•"/>
-              <a:defRPr sz="1200" kern="1200" cap="none">
-                <a:solidFill>
-                  <a:schemeClr val="tx1"/>
-                </a:solidFill>
-                <a:effectLst/>
-                <a:latin typeface="+mn-lt"/>
-                <a:ea typeface="+mn-ea"/>
-                <a:cs typeface="+mn-cs"/>
-              </a:defRPr>
-            </a:lvl4pPr>
-            <a:lvl5pPr marL="2000250" indent="-171450" algn="l" defTabSz="457200" rtl="0" eaLnBrk="1" latinLnBrk="0" hangingPunct="1">
-              <a:spcBef>
-                <a:spcPts val="0"/>
-              </a:spcBef>
-              <a:spcAft>
-                <a:spcPts val="1000"/>
-              </a:spcAft>
-              <a:buClr>
-                <a:schemeClr val="tx1"/>
-              </a:buClr>
-              <a:buSzPct val="100000"/>
-              <a:buFont typeface="Arial"/>
-              <a:buChar char="•"/>
-              <a:defRPr sz="1200" kern="1200" cap="none">
-                <a:solidFill>
-                  <a:schemeClr val="tx1"/>
-                </a:solidFill>
-                <a:effectLst/>
-                <a:latin typeface="+mn-lt"/>
-                <a:ea typeface="+mn-ea"/>
-                <a:cs typeface="+mn-cs"/>
-              </a:defRPr>
-            </a:lvl5pPr>
-            <a:lvl6pPr marL="2514600" indent="-228600" algn="l" defTabSz="457200" rtl="0" eaLnBrk="1" latinLnBrk="0" hangingPunct="1">
-              <a:spcBef>
-                <a:spcPts val="0"/>
-              </a:spcBef>
-              <a:spcAft>
-                <a:spcPts val="1000"/>
-              </a:spcAft>
-              <a:buClr>
-                <a:schemeClr val="tx1"/>
-              </a:buClr>
-              <a:buSzPct val="100000"/>
-              <a:buFont typeface="Arial"/>
-              <a:buChar char="•"/>
-              <a:defRPr sz="1200" kern="1200" cap="none">
-                <a:solidFill>
-                  <a:schemeClr val="tx1"/>
-                </a:solidFill>
-                <a:effectLst/>
-                <a:latin typeface="+mn-lt"/>
-                <a:ea typeface="+mn-ea"/>
-                <a:cs typeface="+mn-cs"/>
-              </a:defRPr>
-            </a:lvl6pPr>
-            <a:lvl7pPr marL="2971800" indent="-228600" algn="l" defTabSz="457200" rtl="0" eaLnBrk="1" latinLnBrk="0" hangingPunct="1">
-              <a:spcBef>
-                <a:spcPts val="0"/>
-              </a:spcBef>
-              <a:spcAft>
-                <a:spcPts val="1000"/>
-              </a:spcAft>
-              <a:buClr>
-                <a:schemeClr val="tx1"/>
-              </a:buClr>
-              <a:buSzPct val="100000"/>
-              <a:buFont typeface="Arial"/>
-              <a:buChar char="•"/>
-              <a:defRPr sz="1200" kern="1200" cap="none">
-                <a:solidFill>
-                  <a:schemeClr val="tx1"/>
-                </a:solidFill>
-                <a:effectLst/>
-                <a:latin typeface="+mn-lt"/>
-                <a:ea typeface="+mn-ea"/>
-                <a:cs typeface="+mn-cs"/>
-              </a:defRPr>
-            </a:lvl7pPr>
-            <a:lvl8pPr marL="3429000" indent="-228600" algn="l" defTabSz="457200" rtl="0" eaLnBrk="1" latinLnBrk="0" hangingPunct="1">
-              <a:spcBef>
-                <a:spcPts val="0"/>
-              </a:spcBef>
-              <a:spcAft>
-                <a:spcPts val="1000"/>
-              </a:spcAft>
-              <a:buClr>
-                <a:schemeClr val="tx1"/>
-              </a:buClr>
-              <a:buSzPct val="100000"/>
-              <a:buFont typeface="Arial"/>
-              <a:buChar char="•"/>
-              <a:defRPr sz="1200" kern="1200" cap="none">
-                <a:solidFill>
-                  <a:schemeClr val="tx1"/>
-                </a:solidFill>
-                <a:effectLst/>
-                <a:latin typeface="+mn-lt"/>
-                <a:ea typeface="+mn-ea"/>
-                <a:cs typeface="+mn-cs"/>
-              </a:defRPr>
-            </a:lvl8pPr>
-            <a:lvl9pPr marL="3886200" indent="-228600" algn="l" defTabSz="457200" rtl="0" eaLnBrk="1" latinLnBrk="0" hangingPunct="1">
-              <a:spcBef>
-                <a:spcPts val="0"/>
-              </a:spcBef>
-              <a:spcAft>
-                <a:spcPts val="1000"/>
-              </a:spcAft>
-              <a:buClr>
-                <a:schemeClr val="tx1"/>
-              </a:buClr>
-              <a:buSzPct val="100000"/>
-              <a:buFont typeface="Arial"/>
-              <a:buChar char="•"/>
-              <a:defRPr sz="1200" kern="1200" cap="none">
-                <a:solidFill>
-                  <a:schemeClr val="tx1"/>
-                </a:solidFill>
-                <a:effectLst/>
-                <a:latin typeface="+mn-lt"/>
-                <a:ea typeface="+mn-ea"/>
-                <a:cs typeface="+mn-cs"/>
-              </a:defRPr>
-            </a:lvl9pPr>
-          </a:lstStyle>
-          <a:p>
-            <a:r>
-              <a:rPr kumimoji="1" lang="zh-CN" altLang="en-US" b="1" dirty="0"/>
-              <a:t>获取系统时间保存到</a:t>
-            </a:r>
-            <a:r>
-              <a:rPr kumimoji="1" lang="en-US" altLang="zh-CN" b="1" dirty="0" err="1"/>
-              <a:t>cached_time</a:t>
-            </a:r>
-            <a:r>
-              <a:rPr kumimoji="1" lang="en-US" altLang="zh-CN" b="1" dirty="0"/>
-              <a:t>?</a:t>
-            </a:r>
-          </a:p>
-          <a:p>
-            <a:r>
-              <a:rPr kumimoji="1" lang="zh-CN" altLang="en-US" b="1" dirty="0"/>
-              <a:t>设置</a:t>
-            </a:r>
-            <a:r>
-              <a:rPr kumimoji="1" lang="en-US" altLang="zh-CN" b="1" dirty="0"/>
-              <a:t>64</a:t>
-            </a:r>
-            <a:r>
-              <a:rPr kumimoji="1" lang="zh-CN" altLang="en-US" b="1" dirty="0"/>
-              <a:t>个</a:t>
-            </a:r>
-            <a:r>
-              <a:rPr kumimoji="1" lang="en-US" altLang="zh-CN" b="1" dirty="0" err="1"/>
-              <a:t>catchd_times</a:t>
-            </a:r>
-            <a:r>
-              <a:rPr kumimoji="1" lang="en-US" altLang="zh-CN" b="1" dirty="0"/>
-              <a:t>[],</a:t>
-            </a:r>
-            <a:r>
-              <a:rPr kumimoji="1" lang="zh-CN" altLang="en-US" b="1" dirty="0"/>
-              <a:t> 修改指针？</a:t>
-            </a:r>
-            <a:endParaRPr kumimoji="1" lang="en-US" altLang="zh-CN" b="1" dirty="0"/>
-          </a:p>
-          <a:p>
-            <a:r>
-              <a:rPr kumimoji="1" lang="zh-CN" altLang="en-US" b="1" dirty="0"/>
-              <a:t>有没有可能并发修改？</a:t>
-            </a:r>
-            <a:endParaRPr kumimoji="1" lang="en-US" altLang="zh-CN" b="1" dirty="0"/>
-          </a:p>
-          <a:p>
-            <a:r>
-              <a:rPr kumimoji="1" lang="zh-CN" altLang="en-US" b="1" dirty="0"/>
-              <a:t>要同时修改一系列的变量，如何保证程序执行正确？</a:t>
-            </a:r>
-            <a:r>
-              <a:rPr kumimoji="1" lang="en" altLang="zh-CN" b="1" dirty="0"/>
-              <a:t> </a:t>
-            </a:r>
-            <a:r>
-              <a:rPr kumimoji="1" lang="en" altLang="zh-CN" b="1" dirty="0" err="1"/>
-              <a:t>ngx_memory_barrier</a:t>
-            </a:r>
-            <a:endParaRPr kumimoji="1" lang="zh-CN" altLang="en-US" b="1" dirty="0"/>
-          </a:p>
-        </p:txBody>
-      </p:sp>
-    </p:spTree>
-    <p:extLst>
-      <p:ext uri="{BB962C8B-B14F-4D97-AF65-F5344CB8AC3E}">
-        <p14:creationId xmlns:p14="http://schemas.microsoft.com/office/powerpoint/2010/main" val="321325546"/>
-      </p:ext>
-    </p:extLst>
-  </p:cSld>
-  <p:clrMapOvr>
-    <a:masterClrMapping/>
-  </p:clrMapOvr>
-  <p:timing>
-    <p:tnLst>
-      <p:par>
-        <p:cTn id="1" dur="indefinite" restart="never" nodeType="tmRoot">
-          <p:childTnLst>
-            <p:seq concurrent="1" nextAc="seek">
-              <p:cTn id="2" dur="indefinite" nodeType="mainSeq">
-                <p:childTnLst>
-                  <p:par>
-                    <p:cTn id="3" fill="hold">
-                      <p:stCondLst>
-                        <p:cond delay="indefinite"/>
-                      </p:stCondLst>
-                      <p:childTnLst>
-                        <p:par>
-                          <p:cTn id="4" fill="hold">
-                            <p:stCondLst>
-                              <p:cond delay="0"/>
-                            </p:stCondLst>
-                            <p:childTnLst>
-                              <p:par>
-                                <p:cTn id="5" presetID="2" presetClass="entr" presetSubtype="4" fill="hold" nodeType="clickEffect">
-                                  <p:stCondLst>
-                                    <p:cond delay="0"/>
-                                  </p:stCondLst>
-                                  <p:childTnLst>
-                                    <p:set>
-                                      <p:cBhvr>
-                                        <p:cTn id="6" dur="1" fill="hold">
-                                          <p:stCondLst>
-                                            <p:cond delay="0"/>
-                                          </p:stCondLst>
-                                        </p:cTn>
-                                        <p:tgtEl>
-                                          <p:spTgt spid="9">
-                                            <p:txEl>
-                                              <p:pRg st="0" end="0"/>
-                                            </p:txEl>
-                                          </p:spTgt>
-                                        </p:tgtEl>
-                                        <p:attrNameLst>
-                                          <p:attrName>style.visibility</p:attrName>
-                                        </p:attrNameLst>
-                                      </p:cBhvr>
-                                      <p:to>
-                                        <p:strVal val="visible"/>
-                                      </p:to>
-                                    </p:set>
-                                    <p:anim calcmode="lin" valueType="num">
-                                      <p:cBhvr additive="base">
-                                        <p:cTn id="7" dur="500" fill="hold"/>
-                                        <p:tgtEl>
-                                          <p:spTgt spid="9">
-                                            <p:txEl>
-                                              <p:pRg st="0" end="0"/>
-                                            </p:txEl>
-                                          </p:spTgt>
-                                        </p:tgtEl>
-                                        <p:attrNameLst>
-                                          <p:attrName>ppt_x</p:attrName>
-                                        </p:attrNameLst>
-                                      </p:cBhvr>
-                                      <p:tavLst>
-                                        <p:tav tm="0">
-                                          <p:val>
-                                            <p:strVal val="#ppt_x"/>
-                                          </p:val>
-                                        </p:tav>
-                                        <p:tav tm="100000">
-                                          <p:val>
-                                            <p:strVal val="#ppt_x"/>
-                                          </p:val>
-                                        </p:tav>
-                                      </p:tavLst>
-                                    </p:anim>
-                                    <p:anim calcmode="lin" valueType="num">
-                                      <p:cBhvr additive="base">
-                                        <p:cTn id="8" dur="500" fill="hold"/>
-                                        <p:tgtEl>
-                                          <p:spTgt spid="9">
-                                            <p:txEl>
-                                              <p:pRg st="0" end="0"/>
-                                            </p:txEl>
-                                          </p:spTgt>
-                                        </p:tgtEl>
-                                        <p:attrNameLst>
-                                          <p:attrName>ppt_y</p:attrName>
-                                        </p:attrNameLst>
-                                      </p:cBhvr>
-                                      <p:tavLst>
-                                        <p:tav tm="0">
-                                          <p:val>
-                                            <p:strVal val="1+#ppt_h/2"/>
-                                          </p:val>
-                                        </p:tav>
-                                        <p:tav tm="100000">
-                                          <p:val>
-                                            <p:strVal val="#ppt_y"/>
-                                          </p:val>
-                                        </p:tav>
-                                      </p:tavLst>
-                                    </p:anim>
-                                  </p:childTnLst>
-                                </p:cTn>
-                              </p:par>
-                            </p:childTnLst>
-                          </p:cTn>
-                        </p:par>
-                      </p:childTnLst>
-                    </p:cTn>
-                  </p:par>
-                  <p:par>
-                    <p:cTn id="9" fill="hold">
-                      <p:stCondLst>
-                        <p:cond delay="indefinite"/>
-                      </p:stCondLst>
-                      <p:childTnLst>
-                        <p:par>
-                          <p:cTn id="10" fill="hold">
-                            <p:stCondLst>
-                              <p:cond delay="0"/>
-                            </p:stCondLst>
-                            <p:childTnLst>
-                              <p:par>
-                                <p:cTn id="11" presetID="2" presetClass="entr" presetSubtype="4" fill="hold" nodeType="clickEffect">
-                                  <p:stCondLst>
-                                    <p:cond delay="0"/>
-                                  </p:stCondLst>
-                                  <p:childTnLst>
-                                    <p:set>
-                                      <p:cBhvr>
-                                        <p:cTn id="12" dur="1" fill="hold">
-                                          <p:stCondLst>
-                                            <p:cond delay="0"/>
-                                          </p:stCondLst>
-                                        </p:cTn>
-                                        <p:tgtEl>
-                                          <p:spTgt spid="9">
-                                            <p:txEl>
-                                              <p:pRg st="1" end="1"/>
-                                            </p:txEl>
-                                          </p:spTgt>
-                                        </p:tgtEl>
-                                        <p:attrNameLst>
-                                          <p:attrName>style.visibility</p:attrName>
-                                        </p:attrNameLst>
-                                      </p:cBhvr>
-                                      <p:to>
-                                        <p:strVal val="visible"/>
-                                      </p:to>
-                                    </p:set>
-                                    <p:anim calcmode="lin" valueType="num">
-                                      <p:cBhvr additive="base">
-                                        <p:cTn id="13" dur="500" fill="hold"/>
-                                        <p:tgtEl>
-                                          <p:spTgt spid="9">
-                                            <p:txEl>
-                                              <p:pRg st="1" end="1"/>
-                                            </p:txEl>
-                                          </p:spTgt>
-                                        </p:tgtEl>
-                                        <p:attrNameLst>
-                                          <p:attrName>ppt_x</p:attrName>
-                                        </p:attrNameLst>
-                                      </p:cBhvr>
-                                      <p:tavLst>
-                                        <p:tav tm="0">
-                                          <p:val>
-                                            <p:strVal val="#ppt_x"/>
-                                          </p:val>
-                                        </p:tav>
-                                        <p:tav tm="100000">
-                                          <p:val>
-                                            <p:strVal val="#ppt_x"/>
-                                          </p:val>
-                                        </p:tav>
-                                      </p:tavLst>
-                                    </p:anim>
-                                    <p:anim calcmode="lin" valueType="num">
-                                      <p:cBhvr additive="base">
-                                        <p:cTn id="14" dur="500" fill="hold"/>
-                                        <p:tgtEl>
-                                          <p:spTgt spid="9">
-                                            <p:txEl>
-                                              <p:pRg st="1" end="1"/>
-                                            </p:txEl>
-                                          </p:spTgt>
-                                        </p:tgtEl>
-                                        <p:attrNameLst>
-                                          <p:attrName>ppt_y</p:attrName>
-                                        </p:attrNameLst>
-                                      </p:cBhvr>
-                                      <p:tavLst>
-                                        <p:tav tm="0">
-                                          <p:val>
-                                            <p:strVal val="1+#ppt_h/2"/>
-                                          </p:val>
-                                        </p:tav>
-                                        <p:tav tm="100000">
-                                          <p:val>
-                                            <p:strVal val="#ppt_y"/>
-                                          </p:val>
-                                        </p:tav>
-                                      </p:tavLst>
-                                    </p:anim>
-                                  </p:childTnLst>
-                                </p:cTn>
-                              </p:par>
-                            </p:childTnLst>
-                          </p:cTn>
-                        </p:par>
-                      </p:childTnLst>
-                    </p:cTn>
-                  </p:par>
-                  <p:par>
-                    <p:cTn id="15" fill="hold">
-                      <p:stCondLst>
-                        <p:cond delay="indefinite"/>
-                      </p:stCondLst>
-                      <p:childTnLst>
-                        <p:par>
-                          <p:cTn id="16" fill="hold">
-                            <p:stCondLst>
-                              <p:cond delay="0"/>
-                            </p:stCondLst>
-                            <p:childTnLst>
-                              <p:par>
-                                <p:cTn id="17" presetID="2" presetClass="entr" presetSubtype="4" fill="hold" nodeType="clickEffect">
-                                  <p:stCondLst>
-                                    <p:cond delay="0"/>
-                                  </p:stCondLst>
-                                  <p:childTnLst>
-                                    <p:set>
-                                      <p:cBhvr>
-                                        <p:cTn id="18" dur="1" fill="hold">
-                                          <p:stCondLst>
-                                            <p:cond delay="0"/>
-                                          </p:stCondLst>
-                                        </p:cTn>
-                                        <p:tgtEl>
-                                          <p:spTgt spid="9">
-                                            <p:txEl>
-                                              <p:pRg st="2" end="2"/>
-                                            </p:txEl>
-                                          </p:spTgt>
-                                        </p:tgtEl>
-                                        <p:attrNameLst>
-                                          <p:attrName>style.visibility</p:attrName>
-                                        </p:attrNameLst>
-                                      </p:cBhvr>
-                                      <p:to>
-                                        <p:strVal val="visible"/>
-                                      </p:to>
-                                    </p:set>
-                                    <p:anim calcmode="lin" valueType="num">
-                                      <p:cBhvr additive="base">
-                                        <p:cTn id="19" dur="500" fill="hold"/>
-                                        <p:tgtEl>
-                                          <p:spTgt spid="9">
-                                            <p:txEl>
-                                              <p:pRg st="2" end="2"/>
-                                            </p:txEl>
-                                          </p:spTgt>
-                                        </p:tgtEl>
-                                        <p:attrNameLst>
-                                          <p:attrName>ppt_x</p:attrName>
-                                        </p:attrNameLst>
-                                      </p:cBhvr>
-                                      <p:tavLst>
-                                        <p:tav tm="0">
-                                          <p:val>
-                                            <p:strVal val="#ppt_x"/>
-                                          </p:val>
-                                        </p:tav>
-                                        <p:tav tm="100000">
-                                          <p:val>
-                                            <p:strVal val="#ppt_x"/>
-                                          </p:val>
-                                        </p:tav>
-                                      </p:tavLst>
-                                    </p:anim>
-                                    <p:anim calcmode="lin" valueType="num">
-                                      <p:cBhvr additive="base">
-                                        <p:cTn id="20" dur="500" fill="hold"/>
-                                        <p:tgtEl>
-                                          <p:spTgt spid="9">
-                                            <p:txEl>
-                                              <p:pRg st="2" end="2"/>
-                                            </p:txEl>
-                                          </p:spTgt>
-                                        </p:tgtEl>
-                                        <p:attrNameLst>
-                                          <p:attrName>ppt_y</p:attrName>
-                                        </p:attrNameLst>
-                                      </p:cBhvr>
-                                      <p:tavLst>
-                                        <p:tav tm="0">
-                                          <p:val>
-                                            <p:strVal val="1+#ppt_h/2"/>
-                                          </p:val>
-                                        </p:tav>
-                                        <p:tav tm="100000">
-                                          <p:val>
-                                            <p:strVal val="#ppt_y"/>
-                                          </p:val>
-                                        </p:tav>
-                                      </p:tavLst>
-                                    </p:anim>
-                                  </p:childTnLst>
-                                </p:cTn>
-                              </p:par>
-                            </p:childTnLst>
-                          </p:cTn>
-                        </p:par>
-                      </p:childTnLst>
-                    </p:cTn>
-                  </p:par>
-                  <p:par>
-                    <p:cTn id="21" fill="hold">
-                      <p:stCondLst>
-                        <p:cond delay="indefinite"/>
-                      </p:stCondLst>
-                      <p:childTnLst>
-                        <p:par>
-                          <p:cTn id="22" fill="hold">
-                            <p:stCondLst>
-                              <p:cond delay="0"/>
-                            </p:stCondLst>
-                            <p:childTnLst>
-                              <p:par>
-                                <p:cTn id="23" presetID="2" presetClass="entr" presetSubtype="4" fill="hold" nodeType="clickEffect">
-                                  <p:stCondLst>
-                                    <p:cond delay="0"/>
-                                  </p:stCondLst>
-                                  <p:childTnLst>
-                                    <p:set>
-                                      <p:cBhvr>
-                                        <p:cTn id="24" dur="1" fill="hold">
-                                          <p:stCondLst>
-                                            <p:cond delay="0"/>
-                                          </p:stCondLst>
-                                        </p:cTn>
-                                        <p:tgtEl>
-                                          <p:spTgt spid="9">
-                                            <p:txEl>
-                                              <p:pRg st="3" end="3"/>
-                                            </p:txEl>
-                                          </p:spTgt>
-                                        </p:tgtEl>
-                                        <p:attrNameLst>
-                                          <p:attrName>style.visibility</p:attrName>
-                                        </p:attrNameLst>
-                                      </p:cBhvr>
-                                      <p:to>
-                                        <p:strVal val="visible"/>
-                                      </p:to>
-                                    </p:set>
-                                    <p:anim calcmode="lin" valueType="num">
-                                      <p:cBhvr additive="base">
-                                        <p:cTn id="25" dur="500" fill="hold"/>
-                                        <p:tgtEl>
-                                          <p:spTgt spid="9">
-                                            <p:txEl>
-                                              <p:pRg st="3" end="3"/>
-                                            </p:txEl>
-                                          </p:spTgt>
-                                        </p:tgtEl>
-                                        <p:attrNameLst>
-                                          <p:attrName>ppt_x</p:attrName>
-                                        </p:attrNameLst>
-                                      </p:cBhvr>
-                                      <p:tavLst>
-                                        <p:tav tm="0">
-                                          <p:val>
-                                            <p:strVal val="#ppt_x"/>
-                                          </p:val>
-                                        </p:tav>
-                                        <p:tav tm="100000">
-                                          <p:val>
-                                            <p:strVal val="#ppt_x"/>
-                                          </p:val>
-                                        </p:tav>
-                                      </p:tavLst>
-                                    </p:anim>
-                                    <p:anim calcmode="lin" valueType="num">
-                                      <p:cBhvr additive="base">
-                                        <p:cTn id="26" dur="500" fill="hold"/>
-                                        <p:tgtEl>
-                                          <p:spTgt spid="9">
-                                            <p:txEl>
-                                              <p:pRg st="3" end="3"/>
-                                            </p:txEl>
-                                          </p:spTgt>
-                                        </p:tgtEl>
-                                        <p:attrNameLst>
-                                          <p:attrName>ppt_y</p:attrName>
-                                        </p:attrNameLst>
-                                      </p:cBhvr>
-                                      <p:tavLst>
-                                        <p:tav tm="0">
-                                          <p:val>
-                                            <p:strVal val="1+#ppt_h/2"/>
-                                          </p:val>
-                                        </p:tav>
-                                        <p:tav tm="100000">
-                                          <p:val>
-                                            <p:strVal val="#ppt_y"/>
-                                          </p:val>
-                                        </p:tav>
-                                      </p:tavLst>
-                                    </p:anim>
-                                  </p:childTnLst>
-                                </p:cTn>
-                              </p:par>
-                            </p:childTnLst>
-                          </p:cTn>
-                        </p:par>
-                      </p:childTnLst>
-                    </p:cTn>
-                  </p:par>
-                </p:childTnLst>
-              </p:cTn>
-              <p:prevCondLst>
-                <p:cond evt="onPrev" delay="0">
-                  <p:tgtEl>
-                    <p:sldTgt/>
-                  </p:tgtEl>
-                </p:cond>
-              </p:prevCondLst>
-              <p:nextCondLst>
-                <p:cond evt="onNext" delay="0">
-                  <p:tgtEl>
-                    <p:sldTgt/>
-                  </p:tgtEl>
-                </p:cond>
-              </p:nextCondLst>
-            </p:seq>
-          </p:childTnLst>
-        </p:cTn>
-      </p:par>
-    </p:tnLst>
-  </p:timing>
-</p:sld>
-</file>
-
-<file path=ppt/slides/slide6.xml><?xml version="1.0" encoding="utf-8"?>
-<p:sld xmlns:a="http://schemas.openxmlformats.org/drawingml/2006/main" xmlns:r="http://schemas.openxmlformats.org/officeDocument/2006/relationships" xmlns:p="http://schemas.openxmlformats.org/presentationml/2006/main">
-  <p:cSld>
-    <p:spTree>
-      <p:nvGrpSpPr>
-        <p:cNvPr id="1" name=""/>
-        <p:cNvGrpSpPr/>
-        <p:nvPr/>
-      </p:nvGrpSpPr>
-      <p:grpSpPr>
-        <a:xfrm>
-          <a:off x="0" y="0"/>
-          <a:ext cx="0" cy="0"/>
-          <a:chOff x="0" y="0"/>
-          <a:chExt cx="0" cy="0"/>
-        </a:xfrm>
-      </p:grpSpPr>
-      <p:sp>
-        <p:nvSpPr>
-          <p:cNvPr id="2" name="标题 1">
-            <a:extLst>
-              <a:ext uri="{FF2B5EF4-FFF2-40B4-BE49-F238E27FC236}">
-                <a16:creationId xmlns:a16="http://schemas.microsoft.com/office/drawing/2014/main" id="{CCFBF98A-AD27-EE4A-8B58-921E6BAE51E6}"/>
-              </a:ext>
-            </a:extLst>
-          </p:cNvPr>
-          <p:cNvSpPr>
-            <a:spLocks noGrp="1"/>
-          </p:cNvSpPr>
-          <p:nvPr>
-            <p:ph type="title"/>
-          </p:nvPr>
-        </p:nvSpPr>
-        <p:spPr/>
-        <p:txBody>
-          <a:bodyPr/>
-          <a:lstStyle/>
-          <a:p>
-            <a:r>
-              <a:rPr lang="en" altLang="zh-CN" b="1" dirty="0"/>
-              <a:t>Array</a:t>
-            </a:r>
-          </a:p>
-        </p:txBody>
-      </p:sp>
-      <p:pic>
-        <p:nvPicPr>
-          <p:cNvPr id="7" name="内容占位符 6">
-            <a:extLst>
-              <a:ext uri="{FF2B5EF4-FFF2-40B4-BE49-F238E27FC236}">
-                <a16:creationId xmlns:a16="http://schemas.microsoft.com/office/drawing/2014/main" id="{2ABF0C10-FDE4-8A42-A4D8-ADF67AA9FB0C}"/>
-              </a:ext>
-            </a:extLst>
-          </p:cNvPr>
-          <p:cNvPicPr>
-            <a:picLocks noGrp="1" noChangeAspect="1"/>
-          </p:cNvPicPr>
-          <p:nvPr>
-            <p:ph idx="1"/>
-          </p:nvPr>
-        </p:nvPicPr>
-        <p:blipFill>
-          <a:blip r:embed="rId2"/>
-          <a:stretch>
-            <a:fillRect/>
-          </a:stretch>
-        </p:blipFill>
-        <p:spPr>
-          <a:xfrm>
-            <a:off x="774700" y="2509403"/>
-            <a:ext cx="9953625" cy="2073671"/>
-          </a:xfrm>
-          <a:prstGeom prst="rect">
-            <a:avLst/>
-          </a:prstGeom>
-        </p:spPr>
-      </p:pic>
-      <p:pic>
-        <p:nvPicPr>
-          <p:cNvPr id="8" name="图片 7">
-            <a:extLst>
-              <a:ext uri="{FF2B5EF4-FFF2-40B4-BE49-F238E27FC236}">
-                <a16:creationId xmlns:a16="http://schemas.microsoft.com/office/drawing/2014/main" id="{BA2F11BF-E2CD-B649-9FBA-E3EE63C69067}"/>
-              </a:ext>
-            </a:extLst>
-          </p:cNvPr>
-          <p:cNvPicPr>
-            <a:picLocks noChangeAspect="1"/>
-          </p:cNvPicPr>
-          <p:nvPr/>
-        </p:nvPicPr>
-        <p:blipFill>
-          <a:blip r:embed="rId3"/>
-          <a:stretch>
-            <a:fillRect/>
-          </a:stretch>
-        </p:blipFill>
-        <p:spPr>
-          <a:xfrm>
-            <a:off x="2457107" y="5026610"/>
-            <a:ext cx="6388100" cy="1168400"/>
-          </a:xfrm>
-          <a:prstGeom prst="rect">
-            <a:avLst/>
-          </a:prstGeom>
-        </p:spPr>
-      </p:pic>
-    </p:spTree>
-    <p:extLst>
-      <p:ext uri="{BB962C8B-B14F-4D97-AF65-F5344CB8AC3E}">
-        <p14:creationId xmlns:p14="http://schemas.microsoft.com/office/powerpoint/2010/main" val="251107082"/>
-      </p:ext>
-    </p:extLst>
-  </p:cSld>
-  <p:clrMapOvr>
-    <a:masterClrMapping/>
-  </p:clrMapOvr>
-</p:sld>
-</file>
-
-<file path=ppt/slides/slide7.xml><?xml version="1.0" encoding="utf-8"?>
+<file path=ppt/slides/slide8.xml><?xml version="1.0" encoding="utf-8"?>
 <p:sld xmlns:a="http://schemas.openxmlformats.org/drawingml/2006/main" xmlns:r="http://schemas.openxmlformats.org/officeDocument/2006/relationships" xmlns:p="http://schemas.openxmlformats.org/presentationml/2006/main">
   <p:cSld>
     <p:spTree>
@@ -9745,149 +10292,6 @@
 </p:sld>
 </file>
 
-<file path=ppt/slides/slide8.xml><?xml version="1.0" encoding="utf-8"?>
-<p:sld xmlns:a="http://schemas.openxmlformats.org/drawingml/2006/main" xmlns:r="http://schemas.openxmlformats.org/officeDocument/2006/relationships" xmlns:p="http://schemas.openxmlformats.org/presentationml/2006/main">
-  <p:cSld>
-    <p:spTree>
-      <p:nvGrpSpPr>
-        <p:cNvPr id="1" name=""/>
-        <p:cNvGrpSpPr/>
-        <p:nvPr/>
-      </p:nvGrpSpPr>
-      <p:grpSpPr>
-        <a:xfrm>
-          <a:off x="0" y="0"/>
-          <a:ext cx="0" cy="0"/>
-          <a:chOff x="0" y="0"/>
-          <a:chExt cx="0" cy="0"/>
-        </a:xfrm>
-      </p:grpSpPr>
-      <p:sp>
-        <p:nvSpPr>
-          <p:cNvPr id="2" name="标题 1">
-            <a:extLst>
-              <a:ext uri="{FF2B5EF4-FFF2-40B4-BE49-F238E27FC236}">
-                <a16:creationId xmlns:a16="http://schemas.microsoft.com/office/drawing/2014/main" id="{CCFBF98A-AD27-EE4A-8B58-921E6BAE51E6}"/>
-              </a:ext>
-            </a:extLst>
-          </p:cNvPr>
-          <p:cNvSpPr>
-            <a:spLocks noGrp="1"/>
-          </p:cNvSpPr>
-          <p:nvPr>
-            <p:ph type="title"/>
-          </p:nvPr>
-        </p:nvSpPr>
-        <p:spPr/>
-        <p:txBody>
-          <a:bodyPr/>
-          <a:lstStyle/>
-          <a:p>
-            <a:r>
-              <a:rPr lang="en" altLang="zh-CN" b="1" dirty="0"/>
-              <a:t>Queue</a:t>
-            </a:r>
-          </a:p>
-        </p:txBody>
-      </p:sp>
-      <p:sp>
-        <p:nvSpPr>
-          <p:cNvPr id="4" name="内容占位符 3">
-            <a:extLst>
-              <a:ext uri="{FF2B5EF4-FFF2-40B4-BE49-F238E27FC236}">
-                <a16:creationId xmlns:a16="http://schemas.microsoft.com/office/drawing/2014/main" id="{DE247913-49EB-7F41-BF6B-984E0EC8BBDF}"/>
-              </a:ext>
-            </a:extLst>
-          </p:cNvPr>
-          <p:cNvSpPr>
-            <a:spLocks noGrp="1"/>
-          </p:cNvSpPr>
-          <p:nvPr>
-            <p:ph idx="1"/>
-          </p:nvPr>
-        </p:nvSpPr>
-        <p:spPr/>
-        <p:txBody>
-          <a:bodyPr/>
-          <a:lstStyle/>
-          <a:p>
-            <a:endParaRPr lang="zh-CN" altLang="en-US"/>
-          </a:p>
-        </p:txBody>
-      </p:sp>
-      <p:pic>
-        <p:nvPicPr>
-          <p:cNvPr id="7" name="图片 6">
-            <a:extLst>
-              <a:ext uri="{FF2B5EF4-FFF2-40B4-BE49-F238E27FC236}">
-                <a16:creationId xmlns:a16="http://schemas.microsoft.com/office/drawing/2014/main" id="{403D52A7-E224-4C45-9C5D-8E58CBE48B04}"/>
-              </a:ext>
-            </a:extLst>
-          </p:cNvPr>
-          <p:cNvPicPr>
-            <a:picLocks noChangeAspect="1"/>
-          </p:cNvPicPr>
-          <p:nvPr/>
-        </p:nvPicPr>
-        <p:blipFill>
-          <a:blip r:embed="rId2"/>
-          <a:stretch>
-            <a:fillRect/>
-          </a:stretch>
-        </p:blipFill>
-        <p:spPr>
-          <a:xfrm>
-            <a:off x="4673256" y="1042316"/>
-            <a:ext cx="2870200" cy="1270000"/>
-          </a:xfrm>
-          <a:prstGeom prst="rect">
-            <a:avLst/>
-          </a:prstGeom>
-        </p:spPr>
-      </p:pic>
-      <p:pic>
-        <p:nvPicPr>
-          <p:cNvPr id="8" name="图片 7">
-            <a:extLst>
-              <a:ext uri="{FF2B5EF4-FFF2-40B4-BE49-F238E27FC236}">
-                <a16:creationId xmlns:a16="http://schemas.microsoft.com/office/drawing/2014/main" id="{F51BA689-83B6-3140-AFF0-5DF77659C82C}"/>
-              </a:ext>
-            </a:extLst>
-          </p:cNvPr>
-          <p:cNvPicPr>
-            <a:picLocks noChangeAspect="1"/>
-          </p:cNvPicPr>
-          <p:nvPr/>
-        </p:nvPicPr>
-        <p:blipFill>
-          <a:blip r:embed="rId3"/>
-          <a:stretch>
-            <a:fillRect/>
-          </a:stretch>
-        </p:blipFill>
-        <p:spPr>
-          <a:xfrm>
-            <a:off x="342556" y="3532144"/>
-            <a:ext cx="11531600" cy="1968500"/>
-          </a:xfrm>
-          <a:prstGeom prst="rect">
-            <a:avLst/>
-          </a:prstGeom>
-        </p:spPr>
-      </p:pic>
-    </p:spTree>
-    <p:extLst>
-      <p:ext uri="{BB962C8B-B14F-4D97-AF65-F5344CB8AC3E}">
-        <p14:creationId xmlns:p14="http://schemas.microsoft.com/office/powerpoint/2010/main" val="3136705958"/>
-      </p:ext>
-    </p:extLst>
-  </p:cSld>
-  <p:clrMapOvr>
-    <a:masterClrMapping/>
-  </p:clrMapOvr>
-</p:sld>
-</file>
-
 <file path=ppt/slides/slide9.xml><?xml version="1.0" encoding="utf-8"?>
 <p:sld xmlns:a="http://schemas.openxmlformats.org/drawingml/2006/main" xmlns:r="http://schemas.openxmlformats.org/officeDocument/2006/relationships" xmlns:p="http://schemas.openxmlformats.org/presentationml/2006/main">
   <p:cSld>
@@ -9928,77 +10332,43 @@
           <a:p>
             <a:r>
               <a:rPr lang="en" altLang="zh-CN" b="1" dirty="0"/>
-              <a:t>Red-Black tree</a:t>
-            </a:r>
-          </a:p>
-        </p:txBody>
-      </p:sp>
-      <p:pic>
-        <p:nvPicPr>
-          <p:cNvPr id="3" name="内容占位符 2">
+              <a:t>List</a:t>
+            </a:r>
+          </a:p>
+        </p:txBody>
+      </p:sp>
+      <p:sp>
+        <p:nvSpPr>
+          <p:cNvPr id="4" name="内容占位符 3">
             <a:extLst>
               <a:ext uri="{FF2B5EF4-FFF2-40B4-BE49-F238E27FC236}">
-                <a16:creationId xmlns:a16="http://schemas.microsoft.com/office/drawing/2014/main" id="{35B0D009-AE4B-E044-8398-588CDDC72F0D}"/>
+                <a16:creationId xmlns:a16="http://schemas.microsoft.com/office/drawing/2014/main" id="{85DB09D2-7AC0-584F-9D96-F9E03CF8E116}"/>
               </a:ext>
             </a:extLst>
           </p:cNvPr>
-          <p:cNvPicPr>
-            <a:picLocks noGrp="1" noChangeAspect="1"/>
-          </p:cNvPicPr>
+          <p:cNvSpPr>
+            <a:spLocks noGrp="1"/>
+          </p:cNvSpPr>
           <p:nvPr>
             <p:ph idx="1"/>
           </p:nvPr>
-        </p:nvPicPr>
-        <p:blipFill>
-          <a:blip r:embed="rId2"/>
-          <a:stretch>
-            <a:fillRect/>
-          </a:stretch>
-        </p:blipFill>
-        <p:spPr>
-          <a:xfrm>
-            <a:off x="6994224" y="358882"/>
-            <a:ext cx="4508500" cy="3606800"/>
-          </a:xfrm>
-          <a:prstGeom prst="rect">
-            <a:avLst/>
-          </a:prstGeom>
-        </p:spPr>
-      </p:pic>
-      <p:pic>
-        <p:nvPicPr>
-          <p:cNvPr id="5" name="图片 4">
-            <a:extLst>
-              <a:ext uri="{FF2B5EF4-FFF2-40B4-BE49-F238E27FC236}">
-                <a16:creationId xmlns:a16="http://schemas.microsoft.com/office/drawing/2014/main" id="{C75C3A8A-5152-EA4F-AFC0-106A9805A1D9}"/>
-              </a:ext>
-            </a:extLst>
-          </p:cNvPr>
-          <p:cNvPicPr>
-            <a:picLocks noChangeAspect="1"/>
-          </p:cNvPicPr>
-          <p:nvPr/>
-        </p:nvPicPr>
-        <p:blipFill>
-          <a:blip r:embed="rId3"/>
-          <a:stretch>
-            <a:fillRect/>
-          </a:stretch>
-        </p:blipFill>
-        <p:spPr>
-          <a:xfrm>
-            <a:off x="1166169" y="4774170"/>
-            <a:ext cx="9563100" cy="1041400"/>
-          </a:xfrm>
-          <a:prstGeom prst="rect">
-            <a:avLst/>
-          </a:prstGeom>
-        </p:spPr>
-      </p:pic>
+        </p:nvSpPr>
+        <p:spPr/>
+        <p:txBody>
+          <a:bodyPr/>
+          <a:lstStyle/>
+          <a:p>
+            <a:r>
+              <a:rPr lang="zh-CN" altLang="en-US" dirty="0"/>
+              <a:t>例子</a:t>
+            </a:r>
+          </a:p>
+        </p:txBody>
+      </p:sp>
     </p:spTree>
     <p:extLst>
       <p:ext uri="{BB962C8B-B14F-4D97-AF65-F5344CB8AC3E}">
-        <p14:creationId xmlns:p14="http://schemas.microsoft.com/office/powerpoint/2010/main" val="1663905220"/>
+        <p14:creationId xmlns:p14="http://schemas.microsoft.com/office/powerpoint/2010/main" val="2692299442"/>
       </p:ext>
     </p:extLst>
   </p:cSld>
